--- a/Learn-Typescript/TypeScript-Notes.pptx
+++ b/Learn-Typescript/TypeScript-Notes.pptx
@@ -5,15 +5,17 @@
     <p:sldMasterId id="2147483648" r:id="rId1"/>
   </p:sldMasterIdLst>
   <p:sldIdLst>
-    <p:sldId id="256" r:id="rId2"/>
-    <p:sldId id="257" r:id="rId3"/>
-    <p:sldId id="258" r:id="rId4"/>
-    <p:sldId id="259" r:id="rId5"/>
-    <p:sldId id="260" r:id="rId6"/>
-    <p:sldId id="261" r:id="rId7"/>
-    <p:sldId id="262" r:id="rId8"/>
-    <p:sldId id="263" r:id="rId9"/>
-    <p:sldId id="264" r:id="rId10"/>
+    <p:sldId id="265" r:id="rId2"/>
+    <p:sldId id="266" r:id="rId3"/>
+    <p:sldId id="256" r:id="rId4"/>
+    <p:sldId id="257" r:id="rId5"/>
+    <p:sldId id="258" r:id="rId6"/>
+    <p:sldId id="259" r:id="rId7"/>
+    <p:sldId id="260" r:id="rId8"/>
+    <p:sldId id="261" r:id="rId9"/>
+    <p:sldId id="262" r:id="rId10"/>
+    <p:sldId id="263" r:id="rId11"/>
+    <p:sldId id="264" r:id="rId12"/>
   </p:sldIdLst>
   <p:sldSz cx="12192000" cy="6858000"/>
   <p:notesSz cx="6858000" cy="9144000"/>
@@ -112,6 +114,11 @@
       </a:defRPr>
     </a:lvl9pPr>
   </p:defaultTextStyle>
+  <p:extLst>
+    <p:ext uri="{EFAFB233-063F-42B5-8137-9DF3F51BA10A}">
+      <p15:sldGuideLst xmlns:p15="http://schemas.microsoft.com/office/powerpoint/2012/main"/>
+    </p:ext>
+  </p:extLst>
 </p:presentation>
 </file>
 
@@ -262,7 +269,7 @@
           <a:p>
             <a:fld id="{B9EEBAD4-1EA6-4B99-9232-4675F5D0C337}" type="datetimeFigureOut">
               <a:rPr lang="en-US" smtClean="0"/>
-              <a:t>11/18/2024</a:t>
+              <a:t>2/13/2025</a:t>
             </a:fld>
             <a:endParaRPr lang="en-US"/>
           </a:p>
@@ -460,7 +467,7 @@
           <a:p>
             <a:fld id="{B9EEBAD4-1EA6-4B99-9232-4675F5D0C337}" type="datetimeFigureOut">
               <a:rPr lang="en-US" smtClean="0"/>
-              <a:t>11/18/2024</a:t>
+              <a:t>2/13/2025</a:t>
             </a:fld>
             <a:endParaRPr lang="en-US"/>
           </a:p>
@@ -668,7 +675,7 @@
           <a:p>
             <a:fld id="{B9EEBAD4-1EA6-4B99-9232-4675F5D0C337}" type="datetimeFigureOut">
               <a:rPr lang="en-US" smtClean="0"/>
-              <a:t>11/18/2024</a:t>
+              <a:t>2/13/2025</a:t>
             </a:fld>
             <a:endParaRPr lang="en-US"/>
           </a:p>
@@ -866,7 +873,7 @@
           <a:p>
             <a:fld id="{B9EEBAD4-1EA6-4B99-9232-4675F5D0C337}" type="datetimeFigureOut">
               <a:rPr lang="en-US" smtClean="0"/>
-              <a:t>11/18/2024</a:t>
+              <a:t>2/13/2025</a:t>
             </a:fld>
             <a:endParaRPr lang="en-US"/>
           </a:p>
@@ -1141,7 +1148,7 @@
           <a:p>
             <a:fld id="{B9EEBAD4-1EA6-4B99-9232-4675F5D0C337}" type="datetimeFigureOut">
               <a:rPr lang="en-US" smtClean="0"/>
-              <a:t>11/18/2024</a:t>
+              <a:t>2/13/2025</a:t>
             </a:fld>
             <a:endParaRPr lang="en-US"/>
           </a:p>
@@ -1406,7 +1413,7 @@
           <a:p>
             <a:fld id="{B9EEBAD4-1EA6-4B99-9232-4675F5D0C337}" type="datetimeFigureOut">
               <a:rPr lang="en-US" smtClean="0"/>
-              <a:t>11/18/2024</a:t>
+              <a:t>2/13/2025</a:t>
             </a:fld>
             <a:endParaRPr lang="en-US"/>
           </a:p>
@@ -1818,7 +1825,7 @@
           <a:p>
             <a:fld id="{B9EEBAD4-1EA6-4B99-9232-4675F5D0C337}" type="datetimeFigureOut">
               <a:rPr lang="en-US" smtClean="0"/>
-              <a:t>11/18/2024</a:t>
+              <a:t>2/13/2025</a:t>
             </a:fld>
             <a:endParaRPr lang="en-US"/>
           </a:p>
@@ -1959,7 +1966,7 @@
           <a:p>
             <a:fld id="{B9EEBAD4-1EA6-4B99-9232-4675F5D0C337}" type="datetimeFigureOut">
               <a:rPr lang="en-US" smtClean="0"/>
-              <a:t>11/18/2024</a:t>
+              <a:t>2/13/2025</a:t>
             </a:fld>
             <a:endParaRPr lang="en-US"/>
           </a:p>
@@ -2072,7 +2079,7 @@
           <a:p>
             <a:fld id="{B9EEBAD4-1EA6-4B99-9232-4675F5D0C337}" type="datetimeFigureOut">
               <a:rPr lang="en-US" smtClean="0"/>
-              <a:t>11/18/2024</a:t>
+              <a:t>2/13/2025</a:t>
             </a:fld>
             <a:endParaRPr lang="en-US"/>
           </a:p>
@@ -2383,7 +2390,7 @@
           <a:p>
             <a:fld id="{B9EEBAD4-1EA6-4B99-9232-4675F5D0C337}" type="datetimeFigureOut">
               <a:rPr lang="en-US" smtClean="0"/>
-              <a:t>11/18/2024</a:t>
+              <a:t>2/13/2025</a:t>
             </a:fld>
             <a:endParaRPr lang="en-US"/>
           </a:p>
@@ -2671,7 +2678,7 @@
           <a:p>
             <a:fld id="{B9EEBAD4-1EA6-4B99-9232-4675F5D0C337}" type="datetimeFigureOut">
               <a:rPr lang="en-US" smtClean="0"/>
-              <a:t>11/18/2024</a:t>
+              <a:t>2/13/2025</a:t>
             </a:fld>
             <a:endParaRPr lang="en-US"/>
           </a:p>
@@ -2912,7 +2919,7 @@
           <a:p>
             <a:fld id="{B9EEBAD4-1EA6-4B99-9232-4675F5D0C337}" type="datetimeFigureOut">
               <a:rPr lang="en-US" smtClean="0"/>
-              <a:t>11/18/2024</a:t>
+              <a:t>2/13/2025</a:t>
             </a:fld>
             <a:endParaRPr lang="en-US"/>
           </a:p>
@@ -3315,6 +3322,1209 @@
 <file path=ppt/slides/slide1.xml><?xml version="1.0" encoding="utf-8"?>
 <p:sld xmlns:a="http://schemas.openxmlformats.org/drawingml/2006/main" xmlns:r="http://schemas.openxmlformats.org/officeDocument/2006/relationships" xmlns:p="http://schemas.openxmlformats.org/presentationml/2006/main">
   <p:cSld>
+    <p:spTree>
+      <p:nvGrpSpPr>
+        <p:cNvPr id="1" name=""/>
+        <p:cNvGrpSpPr/>
+        <p:nvPr/>
+      </p:nvGrpSpPr>
+      <p:grpSpPr>
+        <a:xfrm>
+          <a:off x="0" y="0"/>
+          <a:ext cx="0" cy="0"/>
+          <a:chOff x="0" y="0"/>
+          <a:chExt cx="0" cy="0"/>
+        </a:xfrm>
+      </p:grpSpPr>
+      <p:sp>
+        <p:nvSpPr>
+          <p:cNvPr id="2" name="Title 1">
+            <a:extLst>
+              <a:ext uri="{FF2B5EF4-FFF2-40B4-BE49-F238E27FC236}">
+                <a16:creationId xmlns:a16="http://schemas.microsoft.com/office/drawing/2014/main" id="{E4DEF3FE-1F0A-E077-CB3E-BA65DAF3DF37}"/>
+              </a:ext>
+            </a:extLst>
+          </p:cNvPr>
+          <p:cNvSpPr>
+            <a:spLocks noGrp="1"/>
+          </p:cNvSpPr>
+          <p:nvPr>
+            <p:ph type="title"/>
+          </p:nvPr>
+        </p:nvSpPr>
+        <p:spPr/>
+        <p:txBody>
+          <a:bodyPr/>
+          <a:lstStyle/>
+          <a:p>
+            <a:r>
+              <a:rPr lang="en-US" dirty="0"/>
+              <a:t>				TypeScript</a:t>
+            </a:r>
+            <a:endParaRPr lang="en-IN" dirty="0"/>
+          </a:p>
+        </p:txBody>
+      </p:sp>
+      <p:sp>
+        <p:nvSpPr>
+          <p:cNvPr id="3" name="Content Placeholder 2">
+            <a:extLst>
+              <a:ext uri="{FF2B5EF4-FFF2-40B4-BE49-F238E27FC236}">
+                <a16:creationId xmlns:a16="http://schemas.microsoft.com/office/drawing/2014/main" id="{1D6FC966-15D8-36F5-85F4-7DFE0E0ED6E0}"/>
+              </a:ext>
+            </a:extLst>
+          </p:cNvPr>
+          <p:cNvSpPr>
+            <a:spLocks noGrp="1"/>
+          </p:cNvSpPr>
+          <p:nvPr>
+            <p:ph idx="1"/>
+          </p:nvPr>
+        </p:nvSpPr>
+        <p:spPr/>
+        <p:txBody>
+          <a:bodyPr>
+            <a:normAutofit fontScale="92500" lnSpcReduction="20000"/>
+          </a:bodyPr>
+          <a:lstStyle/>
+          <a:p>
+            <a:pPr marL="0" indent="0">
+              <a:buNone/>
+            </a:pPr>
+            <a:r>
+              <a:rPr lang="en-IN" sz="1800" b="1" kern="100" dirty="0">
+                <a:effectLst/>
+                <a:latin typeface="Arial" panose="020B0604020202020204" pitchFamily="34" charset="0"/>
+                <a:ea typeface="Calibri" panose="020F0502020204030204" pitchFamily="34" charset="0"/>
+                <a:cs typeface="Times New Roman" panose="02020603050405020304" pitchFamily="18" charset="0"/>
+              </a:rPr>
+              <a:t>What is TypeScript?</a:t>
+            </a:r>
+            <a:endParaRPr lang="en-IN" sz="1800" kern="100" dirty="0">
+              <a:effectLst/>
+              <a:latin typeface="Calibri" panose="020F0502020204030204" pitchFamily="34" charset="0"/>
+              <a:ea typeface="Calibri" panose="020F0502020204030204" pitchFamily="34" charset="0"/>
+              <a:cs typeface="Times New Roman" panose="02020603050405020304" pitchFamily="18" charset="0"/>
+            </a:endParaRPr>
+          </a:p>
+          <a:p>
+            <a:pPr marL="0" indent="0">
+              <a:buNone/>
+            </a:pPr>
+            <a:r>
+              <a:rPr lang="en-IN" sz="1800" kern="100" dirty="0">
+                <a:effectLst/>
+                <a:latin typeface="Arial" panose="020B0604020202020204" pitchFamily="34" charset="0"/>
+                <a:ea typeface="Calibri" panose="020F0502020204030204" pitchFamily="34" charset="0"/>
+                <a:cs typeface="Times New Roman" panose="02020603050405020304" pitchFamily="18" charset="0"/>
+              </a:rPr>
+              <a:t>TypeScript is a syntactic superset of JavaScript which adds static typing.</a:t>
+            </a:r>
+            <a:endParaRPr lang="en-IN" sz="1800" kern="100" dirty="0">
+              <a:effectLst/>
+              <a:latin typeface="Calibri" panose="020F0502020204030204" pitchFamily="34" charset="0"/>
+              <a:ea typeface="Calibri" panose="020F0502020204030204" pitchFamily="34" charset="0"/>
+              <a:cs typeface="Times New Roman" panose="02020603050405020304" pitchFamily="18" charset="0"/>
+            </a:endParaRPr>
+          </a:p>
+          <a:p>
+            <a:pPr marL="0" indent="0">
+              <a:buNone/>
+            </a:pPr>
+            <a:r>
+              <a:rPr lang="en-IN" sz="1800" kern="100" dirty="0">
+                <a:effectLst/>
+                <a:latin typeface="Arial" panose="020B0604020202020204" pitchFamily="34" charset="0"/>
+                <a:ea typeface="Calibri" panose="020F0502020204030204" pitchFamily="34" charset="0"/>
+                <a:cs typeface="Times New Roman" panose="02020603050405020304" pitchFamily="18" charset="0"/>
+              </a:rPr>
+              <a:t>This basically means that TypeScript adds syntax on top of JavaScript, allowing developers to add types.</a:t>
+            </a:r>
+            <a:endParaRPr lang="en-IN" sz="1800" kern="100" dirty="0">
+              <a:effectLst/>
+              <a:latin typeface="Calibri" panose="020F0502020204030204" pitchFamily="34" charset="0"/>
+              <a:ea typeface="Calibri" panose="020F0502020204030204" pitchFamily="34" charset="0"/>
+              <a:cs typeface="Times New Roman" panose="02020603050405020304" pitchFamily="18" charset="0"/>
+            </a:endParaRPr>
+          </a:p>
+          <a:p>
+            <a:pPr marL="0" indent="0">
+              <a:buNone/>
+            </a:pPr>
+            <a:endParaRPr lang="en-IN" sz="1800" b="1" kern="100" dirty="0">
+              <a:effectLst/>
+              <a:latin typeface="Arial" panose="020B0604020202020204" pitchFamily="34" charset="0"/>
+              <a:ea typeface="Calibri" panose="020F0502020204030204" pitchFamily="34" charset="0"/>
+              <a:cs typeface="Times New Roman" panose="02020603050405020304" pitchFamily="18" charset="0"/>
+            </a:endParaRPr>
+          </a:p>
+          <a:p>
+            <a:pPr marL="0" indent="0">
+              <a:buNone/>
+            </a:pPr>
+            <a:r>
+              <a:rPr lang="en-IN" sz="1800" b="1" kern="100" dirty="0">
+                <a:effectLst/>
+                <a:latin typeface="Arial" panose="020B0604020202020204" pitchFamily="34" charset="0"/>
+                <a:ea typeface="Calibri" panose="020F0502020204030204" pitchFamily="34" charset="0"/>
+                <a:cs typeface="Times New Roman" panose="02020603050405020304" pitchFamily="18" charset="0"/>
+              </a:rPr>
+              <a:t>Why should I use TypeScript?</a:t>
+            </a:r>
+            <a:endParaRPr lang="en-IN" sz="1800" kern="100" dirty="0">
+              <a:effectLst/>
+              <a:latin typeface="Calibri" panose="020F0502020204030204" pitchFamily="34" charset="0"/>
+              <a:ea typeface="Calibri" panose="020F0502020204030204" pitchFamily="34" charset="0"/>
+              <a:cs typeface="Times New Roman" panose="02020603050405020304" pitchFamily="18" charset="0"/>
+            </a:endParaRPr>
+          </a:p>
+          <a:p>
+            <a:pPr>
+              <a:lnSpc>
+                <a:spcPct val="107000"/>
+              </a:lnSpc>
+              <a:spcAft>
+                <a:spcPts val="800"/>
+              </a:spcAft>
+            </a:pPr>
+            <a:r>
+              <a:rPr lang="en-IN" sz="1800" kern="100" dirty="0">
+                <a:effectLst/>
+                <a:latin typeface="Arial" panose="020B0604020202020204" pitchFamily="34" charset="0"/>
+                <a:ea typeface="Calibri" panose="020F0502020204030204" pitchFamily="34" charset="0"/>
+                <a:cs typeface="Times New Roman" panose="02020603050405020304" pitchFamily="18" charset="0"/>
+              </a:rPr>
+              <a:t>JavaScript is a loosely typed language. It can be difficult to understand what types of data are being passed around in JavaScript.</a:t>
+            </a:r>
+            <a:endParaRPr lang="en-IN" sz="1800" kern="100" dirty="0">
+              <a:effectLst/>
+              <a:latin typeface="Calibri" panose="020F0502020204030204" pitchFamily="34" charset="0"/>
+              <a:ea typeface="Calibri" panose="020F0502020204030204" pitchFamily="34" charset="0"/>
+              <a:cs typeface="Times New Roman" panose="02020603050405020304" pitchFamily="18" charset="0"/>
+            </a:endParaRPr>
+          </a:p>
+          <a:p>
+            <a:pPr>
+              <a:lnSpc>
+                <a:spcPct val="107000"/>
+              </a:lnSpc>
+              <a:spcAft>
+                <a:spcPts val="800"/>
+              </a:spcAft>
+            </a:pPr>
+            <a:r>
+              <a:rPr lang="en-IN" sz="1800" kern="100" dirty="0">
+                <a:effectLst/>
+                <a:latin typeface="Arial" panose="020B0604020202020204" pitchFamily="34" charset="0"/>
+                <a:ea typeface="Calibri" panose="020F0502020204030204" pitchFamily="34" charset="0"/>
+                <a:cs typeface="Times New Roman" panose="02020603050405020304" pitchFamily="18" charset="0"/>
+              </a:rPr>
+              <a:t>In JavaScript, function parameters and variables don't have any information! So developers need to look at documentation, or guess based on the implementation.</a:t>
+            </a:r>
+            <a:endParaRPr lang="en-IN" sz="1800" kern="100" dirty="0">
+              <a:effectLst/>
+              <a:latin typeface="Calibri" panose="020F0502020204030204" pitchFamily="34" charset="0"/>
+              <a:ea typeface="Calibri" panose="020F0502020204030204" pitchFamily="34" charset="0"/>
+              <a:cs typeface="Times New Roman" panose="02020603050405020304" pitchFamily="18" charset="0"/>
+            </a:endParaRPr>
+          </a:p>
+          <a:p>
+            <a:pPr>
+              <a:lnSpc>
+                <a:spcPct val="107000"/>
+              </a:lnSpc>
+              <a:spcAft>
+                <a:spcPts val="800"/>
+              </a:spcAft>
+            </a:pPr>
+            <a:r>
+              <a:rPr lang="en-IN" sz="1800" kern="100" dirty="0">
+                <a:effectLst/>
+                <a:latin typeface="Arial" panose="020B0604020202020204" pitchFamily="34" charset="0"/>
+                <a:ea typeface="Calibri" panose="020F0502020204030204" pitchFamily="34" charset="0"/>
+                <a:cs typeface="Times New Roman" panose="02020603050405020304" pitchFamily="18" charset="0"/>
+              </a:rPr>
+              <a:t>TypeScript allows specifying the types of data being passed around within the code, and has the ability to report errors when the types don't match.</a:t>
+            </a:r>
+            <a:endParaRPr lang="en-IN" sz="1800" kern="100" dirty="0">
+              <a:effectLst/>
+              <a:latin typeface="Calibri" panose="020F0502020204030204" pitchFamily="34" charset="0"/>
+              <a:ea typeface="Calibri" panose="020F0502020204030204" pitchFamily="34" charset="0"/>
+              <a:cs typeface="Times New Roman" panose="02020603050405020304" pitchFamily="18" charset="0"/>
+            </a:endParaRPr>
+          </a:p>
+          <a:p>
+            <a:pPr>
+              <a:lnSpc>
+                <a:spcPct val="107000"/>
+              </a:lnSpc>
+              <a:spcAft>
+                <a:spcPts val="800"/>
+              </a:spcAft>
+            </a:pPr>
+            <a:r>
+              <a:rPr lang="en-IN" sz="1800" kern="100" dirty="0">
+                <a:effectLst/>
+                <a:latin typeface="Arial" panose="020B0604020202020204" pitchFamily="34" charset="0"/>
+                <a:ea typeface="Calibri" panose="020F0502020204030204" pitchFamily="34" charset="0"/>
+                <a:cs typeface="Times New Roman" panose="02020603050405020304" pitchFamily="18" charset="0"/>
+              </a:rPr>
+              <a:t>For example, TypeScript will report an error when passing a string into a function that expects a number. JavaScript will not.</a:t>
+            </a:r>
+            <a:endParaRPr lang="en-IN" sz="1800" kern="100" dirty="0">
+              <a:effectLst/>
+              <a:latin typeface="Calibri" panose="020F0502020204030204" pitchFamily="34" charset="0"/>
+              <a:ea typeface="Calibri" panose="020F0502020204030204" pitchFamily="34" charset="0"/>
+              <a:cs typeface="Times New Roman" panose="02020603050405020304" pitchFamily="18" charset="0"/>
+            </a:endParaRPr>
+          </a:p>
+          <a:p>
+            <a:endParaRPr lang="en-IN" dirty="0"/>
+          </a:p>
+        </p:txBody>
+      </p:sp>
+    </p:spTree>
+    <p:extLst>
+      <p:ext uri="{BB962C8B-B14F-4D97-AF65-F5344CB8AC3E}">
+        <p14:creationId xmlns:p14="http://schemas.microsoft.com/office/powerpoint/2010/main" val="516738180"/>
+      </p:ext>
+    </p:extLst>
+  </p:cSld>
+  <p:clrMapOvr>
+    <a:masterClrMapping/>
+  </p:clrMapOvr>
+</p:sld>
+</file>
+
+<file path=ppt/slides/slide10.xml><?xml version="1.0" encoding="utf-8"?>
+<p:sld xmlns:a="http://schemas.openxmlformats.org/drawingml/2006/main" xmlns:r="http://schemas.openxmlformats.org/officeDocument/2006/relationships" xmlns:p="http://schemas.openxmlformats.org/presentationml/2006/main">
+  <p:cSld>
+    <p:bg>
+      <p:bgPr>
+        <a:solidFill>
+          <a:schemeClr val="tx1">
+            <a:lumMod val="85000"/>
+            <a:lumOff val="15000"/>
+          </a:schemeClr>
+        </a:solidFill>
+        <a:effectLst/>
+      </p:bgPr>
+    </p:bg>
+    <p:spTree>
+      <p:nvGrpSpPr>
+        <p:cNvPr id="1" name="">
+          <a:extLst>
+            <a:ext uri="{FF2B5EF4-FFF2-40B4-BE49-F238E27FC236}">
+              <a16:creationId xmlns:a16="http://schemas.microsoft.com/office/drawing/2014/main" id="{4ABDE75F-A746-298D-29C2-C18C0912E6EA}"/>
+            </a:ext>
+          </a:extLst>
+        </p:cNvPr>
+        <p:cNvGrpSpPr/>
+        <p:nvPr/>
+      </p:nvGrpSpPr>
+      <p:grpSpPr>
+        <a:xfrm>
+          <a:off x="0" y="0"/>
+          <a:ext cx="0" cy="0"/>
+          <a:chOff x="0" y="0"/>
+          <a:chExt cx="0" cy="0"/>
+        </a:xfrm>
+      </p:grpSpPr>
+      <p:sp>
+        <p:nvSpPr>
+          <p:cNvPr id="23" name="TextBox 22">
+            <a:extLst>
+              <a:ext uri="{FF2B5EF4-FFF2-40B4-BE49-F238E27FC236}">
+                <a16:creationId xmlns:a16="http://schemas.microsoft.com/office/drawing/2014/main" id="{C7D5F533-EEA5-5EAB-F703-B6212F113CD6}"/>
+              </a:ext>
+            </a:extLst>
+          </p:cNvPr>
+          <p:cNvSpPr txBox="1"/>
+          <p:nvPr/>
+        </p:nvSpPr>
+        <p:spPr>
+          <a:xfrm>
+            <a:off x="4780723" y="122085"/>
+            <a:ext cx="6094674" cy="455702"/>
+          </a:xfrm>
+          <a:prstGeom prst="rect">
+            <a:avLst/>
+          </a:prstGeom>
+          <a:noFill/>
+        </p:spPr>
+        <p:txBody>
+          <a:bodyPr wrap="square">
+            <a:spAutoFit/>
+          </a:bodyPr>
+          <a:lstStyle/>
+          <a:p>
+            <a:pPr>
+              <a:lnSpc>
+                <a:spcPct val="150000"/>
+              </a:lnSpc>
+            </a:pPr>
+            <a:r>
+              <a:rPr lang="en-US" sz="1800" b="1" u="sng" dirty="0">
+                <a:solidFill>
+                  <a:schemeClr val="bg1"/>
+                </a:solidFill>
+                <a:effectLst>
+                  <a:outerShdw blurRad="38100" dist="38100" dir="2700000" algn="tl">
+                    <a:srgbClr val="000000">
+                      <a:alpha val="43137"/>
+                    </a:srgbClr>
+                  </a:outerShdw>
+                </a:effectLst>
+                <a:latin typeface="Oxygen" panose="02000503000000000000" pitchFamily="2" charset="0"/>
+              </a:rPr>
+              <a:t>React Components as Children Props:</a:t>
+            </a:r>
+          </a:p>
+        </p:txBody>
+      </p:sp>
+      <p:pic>
+        <p:nvPicPr>
+          <p:cNvPr id="3" name="Picture 2">
+            <a:extLst>
+              <a:ext uri="{FF2B5EF4-FFF2-40B4-BE49-F238E27FC236}">
+                <a16:creationId xmlns:a16="http://schemas.microsoft.com/office/drawing/2014/main" id="{08607001-EFD4-C5A9-0C18-E7D85F4706D8}"/>
+              </a:ext>
+            </a:extLst>
+          </p:cNvPr>
+          <p:cNvPicPr>
+            <a:picLocks noChangeAspect="1"/>
+          </p:cNvPicPr>
+          <p:nvPr/>
+        </p:nvPicPr>
+        <p:blipFill>
+          <a:blip r:embed="rId2"/>
+          <a:stretch>
+            <a:fillRect/>
+          </a:stretch>
+        </p:blipFill>
+        <p:spPr>
+          <a:xfrm>
+            <a:off x="288497" y="349936"/>
+            <a:ext cx="4199136" cy="3263605"/>
+          </a:xfrm>
+          <a:prstGeom prst="rect">
+            <a:avLst/>
+          </a:prstGeom>
+        </p:spPr>
+      </p:pic>
+      <p:pic>
+        <p:nvPicPr>
+          <p:cNvPr id="6" name="Picture 5">
+            <a:extLst>
+              <a:ext uri="{FF2B5EF4-FFF2-40B4-BE49-F238E27FC236}">
+                <a16:creationId xmlns:a16="http://schemas.microsoft.com/office/drawing/2014/main" id="{23400D7A-4990-2019-F248-E75D13E7B1CE}"/>
+              </a:ext>
+            </a:extLst>
+          </p:cNvPr>
+          <p:cNvPicPr>
+            <a:picLocks noChangeAspect="1"/>
+          </p:cNvPicPr>
+          <p:nvPr/>
+        </p:nvPicPr>
+        <p:blipFill>
+          <a:blip r:embed="rId3"/>
+          <a:stretch>
+            <a:fillRect/>
+          </a:stretch>
+        </p:blipFill>
+        <p:spPr>
+          <a:xfrm>
+            <a:off x="288497" y="3784895"/>
+            <a:ext cx="5121763" cy="2543138"/>
+          </a:xfrm>
+          <a:prstGeom prst="rect">
+            <a:avLst/>
+          </a:prstGeom>
+        </p:spPr>
+      </p:pic>
+      <p:pic>
+        <p:nvPicPr>
+          <p:cNvPr id="9" name="Picture 8">
+            <a:extLst>
+              <a:ext uri="{FF2B5EF4-FFF2-40B4-BE49-F238E27FC236}">
+                <a16:creationId xmlns:a16="http://schemas.microsoft.com/office/drawing/2014/main" id="{F17B0948-0C21-F80B-77D8-34E931B77650}"/>
+              </a:ext>
+            </a:extLst>
+          </p:cNvPr>
+          <p:cNvPicPr>
+            <a:picLocks noChangeAspect="1"/>
+          </p:cNvPicPr>
+          <p:nvPr/>
+        </p:nvPicPr>
+        <p:blipFill>
+          <a:blip r:embed="rId4"/>
+          <a:stretch>
+            <a:fillRect/>
+          </a:stretch>
+        </p:blipFill>
+        <p:spPr>
+          <a:xfrm>
+            <a:off x="5322796" y="577787"/>
+            <a:ext cx="5438769" cy="2927566"/>
+          </a:xfrm>
+          <a:prstGeom prst="rect">
+            <a:avLst/>
+          </a:prstGeom>
+        </p:spPr>
+      </p:pic>
+      <p:pic>
+        <p:nvPicPr>
+          <p:cNvPr id="12" name="Picture 11">
+            <a:extLst>
+              <a:ext uri="{FF2B5EF4-FFF2-40B4-BE49-F238E27FC236}">
+                <a16:creationId xmlns:a16="http://schemas.microsoft.com/office/drawing/2014/main" id="{05929B6E-F44E-2835-16B6-AEF6A7FE360F}"/>
+              </a:ext>
+            </a:extLst>
+          </p:cNvPr>
+          <p:cNvPicPr>
+            <a:picLocks noChangeAspect="1"/>
+          </p:cNvPicPr>
+          <p:nvPr/>
+        </p:nvPicPr>
+        <p:blipFill>
+          <a:blip r:embed="rId5"/>
+          <a:stretch>
+            <a:fillRect/>
+          </a:stretch>
+        </p:blipFill>
+        <p:spPr>
+          <a:xfrm>
+            <a:off x="6230325" y="3901419"/>
+            <a:ext cx="4645072" cy="2517706"/>
+          </a:xfrm>
+          <a:prstGeom prst="rect">
+            <a:avLst/>
+          </a:prstGeom>
+        </p:spPr>
+      </p:pic>
+      <p:sp>
+        <p:nvSpPr>
+          <p:cNvPr id="13" name="Oval 12">
+            <a:extLst>
+              <a:ext uri="{FF2B5EF4-FFF2-40B4-BE49-F238E27FC236}">
+                <a16:creationId xmlns:a16="http://schemas.microsoft.com/office/drawing/2014/main" id="{CA8CE7CB-AEA2-4841-66B0-0FE49AACB9B8}"/>
+              </a:ext>
+            </a:extLst>
+          </p:cNvPr>
+          <p:cNvSpPr/>
+          <p:nvPr/>
+        </p:nvSpPr>
+        <p:spPr>
+          <a:xfrm>
+            <a:off x="6908872" y="1406099"/>
+            <a:ext cx="1718293" cy="366068"/>
+          </a:xfrm>
+          <a:prstGeom prst="ellipse">
+            <a:avLst/>
+          </a:prstGeom>
+          <a:noFill/>
+          <a:ln w="63500">
+            <a:solidFill>
+              <a:srgbClr val="C00000"/>
+            </a:solidFill>
+          </a:ln>
+        </p:spPr>
+        <p:style>
+          <a:lnRef idx="2">
+            <a:schemeClr val="accent1">
+              <a:shade val="15000"/>
+            </a:schemeClr>
+          </a:lnRef>
+          <a:fillRef idx="1">
+            <a:schemeClr val="accent1"/>
+          </a:fillRef>
+          <a:effectRef idx="0">
+            <a:schemeClr val="accent1"/>
+          </a:effectRef>
+          <a:fontRef idx="minor">
+            <a:schemeClr val="lt1"/>
+          </a:fontRef>
+        </p:style>
+        <p:txBody>
+          <a:bodyPr rtlCol="0" anchor="ctr"/>
+          <a:lstStyle/>
+          <a:p>
+            <a:pPr algn="ctr"/>
+            <a:endParaRPr lang="en-US"/>
+          </a:p>
+        </p:txBody>
+      </p:sp>
+    </p:spTree>
+    <p:extLst>
+      <p:ext uri="{BB962C8B-B14F-4D97-AF65-F5344CB8AC3E}">
+        <p14:creationId xmlns:p14="http://schemas.microsoft.com/office/powerpoint/2010/main" val="4182326251"/>
+      </p:ext>
+    </p:extLst>
+  </p:cSld>
+  <p:clrMapOvr>
+    <a:masterClrMapping/>
+  </p:clrMapOvr>
+</p:sld>
+</file>
+
+<file path=ppt/slides/slide11.xml><?xml version="1.0" encoding="utf-8"?>
+<p:sld xmlns:a="http://schemas.openxmlformats.org/drawingml/2006/main" xmlns:r="http://schemas.openxmlformats.org/officeDocument/2006/relationships" xmlns:p="http://schemas.openxmlformats.org/presentationml/2006/main">
+  <p:cSld>
+    <p:bg>
+      <p:bgPr>
+        <a:solidFill>
+          <a:schemeClr val="bg2">
+            <a:lumMod val="25000"/>
+          </a:schemeClr>
+        </a:solidFill>
+        <a:effectLst/>
+      </p:bgPr>
+    </p:bg>
+    <p:spTree>
+      <p:nvGrpSpPr>
+        <p:cNvPr id="1" name="">
+          <a:extLst>
+            <a:ext uri="{FF2B5EF4-FFF2-40B4-BE49-F238E27FC236}">
+              <a16:creationId xmlns:a16="http://schemas.microsoft.com/office/drawing/2014/main" id="{C0D571A5-51CF-0C13-C427-C4C7172405F1}"/>
+            </a:ext>
+          </a:extLst>
+        </p:cNvPr>
+        <p:cNvGrpSpPr/>
+        <p:nvPr/>
+      </p:nvGrpSpPr>
+      <p:grpSpPr>
+        <a:xfrm>
+          <a:off x="0" y="0"/>
+          <a:ext cx="0" cy="0"/>
+          <a:chOff x="0" y="0"/>
+          <a:chExt cx="0" cy="0"/>
+        </a:xfrm>
+      </p:grpSpPr>
+      <p:sp>
+        <p:nvSpPr>
+          <p:cNvPr id="23" name="TextBox 22">
+            <a:extLst>
+              <a:ext uri="{FF2B5EF4-FFF2-40B4-BE49-F238E27FC236}">
+                <a16:creationId xmlns:a16="http://schemas.microsoft.com/office/drawing/2014/main" id="{70DA0CF6-EE5C-1E47-A8BB-FEA669FA9901}"/>
+              </a:ext>
+            </a:extLst>
+          </p:cNvPr>
+          <p:cNvSpPr txBox="1"/>
+          <p:nvPr/>
+        </p:nvSpPr>
+        <p:spPr>
+          <a:xfrm>
+            <a:off x="5907920" y="122085"/>
+            <a:ext cx="6094674" cy="455702"/>
+          </a:xfrm>
+          <a:prstGeom prst="rect">
+            <a:avLst/>
+          </a:prstGeom>
+          <a:noFill/>
+        </p:spPr>
+        <p:txBody>
+          <a:bodyPr wrap="square">
+            <a:spAutoFit/>
+          </a:bodyPr>
+          <a:lstStyle/>
+          <a:p>
+            <a:pPr>
+              <a:lnSpc>
+                <a:spcPct val="150000"/>
+              </a:lnSpc>
+            </a:pPr>
+            <a:r>
+              <a:rPr lang="en-US" sz="1800" b="1" u="sng" dirty="0">
+                <a:solidFill>
+                  <a:schemeClr val="bg1"/>
+                </a:solidFill>
+                <a:effectLst>
+                  <a:outerShdw blurRad="38100" dist="38100" dir="2700000" algn="tl">
+                    <a:srgbClr val="000000">
+                      <a:alpha val="43137"/>
+                    </a:srgbClr>
+                  </a:outerShdw>
+                </a:effectLst>
+                <a:latin typeface="Oxygen" panose="02000503000000000000" pitchFamily="2" charset="0"/>
+              </a:rPr>
+              <a:t>Optional Props:</a:t>
+            </a:r>
+          </a:p>
+        </p:txBody>
+      </p:sp>
+      <p:pic>
+        <p:nvPicPr>
+          <p:cNvPr id="7" name="Picture 6">
+            <a:extLst>
+              <a:ext uri="{FF2B5EF4-FFF2-40B4-BE49-F238E27FC236}">
+                <a16:creationId xmlns:a16="http://schemas.microsoft.com/office/drawing/2014/main" id="{7632A222-AA1B-CB3A-C683-56F7F1FDD067}"/>
+              </a:ext>
+            </a:extLst>
+          </p:cNvPr>
+          <p:cNvPicPr>
+            <a:picLocks noChangeAspect="1"/>
+          </p:cNvPicPr>
+          <p:nvPr/>
+        </p:nvPicPr>
+        <p:blipFill>
+          <a:blip r:embed="rId2"/>
+          <a:srcRect l="4980" r="9219"/>
+          <a:stretch/>
+        </p:blipFill>
+        <p:spPr>
+          <a:xfrm>
+            <a:off x="5047128" y="2194277"/>
+            <a:ext cx="7144872" cy="4663723"/>
+          </a:xfrm>
+          <a:prstGeom prst="rect">
+            <a:avLst/>
+          </a:prstGeom>
+        </p:spPr>
+      </p:pic>
+      <p:pic>
+        <p:nvPicPr>
+          <p:cNvPr id="10" name="Picture 9">
+            <a:extLst>
+              <a:ext uri="{FF2B5EF4-FFF2-40B4-BE49-F238E27FC236}">
+                <a16:creationId xmlns:a16="http://schemas.microsoft.com/office/drawing/2014/main" id="{24338FC4-4593-BFBC-0E2A-A2B610393890}"/>
+              </a:ext>
+            </a:extLst>
+          </p:cNvPr>
+          <p:cNvPicPr>
+            <a:picLocks noChangeAspect="1"/>
+          </p:cNvPicPr>
+          <p:nvPr/>
+        </p:nvPicPr>
+        <p:blipFill>
+          <a:blip r:embed="rId3"/>
+          <a:stretch>
+            <a:fillRect/>
+          </a:stretch>
+        </p:blipFill>
+        <p:spPr>
+          <a:xfrm>
+            <a:off x="19994" y="0"/>
+            <a:ext cx="5027134" cy="2945309"/>
+          </a:xfrm>
+          <a:prstGeom prst="rect">
+            <a:avLst/>
+          </a:prstGeom>
+        </p:spPr>
+      </p:pic>
+    </p:spTree>
+    <p:extLst>
+      <p:ext uri="{BB962C8B-B14F-4D97-AF65-F5344CB8AC3E}">
+        <p14:creationId xmlns:p14="http://schemas.microsoft.com/office/powerpoint/2010/main" val="2942065412"/>
+      </p:ext>
+    </p:extLst>
+  </p:cSld>
+  <p:clrMapOvr>
+    <a:masterClrMapping/>
+  </p:clrMapOvr>
+</p:sld>
+</file>
+
+<file path=ppt/slides/slide2.xml><?xml version="1.0" encoding="utf-8"?>
+<p:sld xmlns:a="http://schemas.openxmlformats.org/drawingml/2006/main" xmlns:r="http://schemas.openxmlformats.org/officeDocument/2006/relationships" xmlns:p="http://schemas.openxmlformats.org/presentationml/2006/main">
+  <p:cSld>
+    <p:spTree>
+      <p:nvGrpSpPr>
+        <p:cNvPr id="1" name=""/>
+        <p:cNvGrpSpPr/>
+        <p:nvPr/>
+      </p:nvGrpSpPr>
+      <p:grpSpPr>
+        <a:xfrm>
+          <a:off x="0" y="0"/>
+          <a:ext cx="0" cy="0"/>
+          <a:chOff x="0" y="0"/>
+          <a:chExt cx="0" cy="0"/>
+        </a:xfrm>
+      </p:grpSpPr>
+      <p:sp>
+        <p:nvSpPr>
+          <p:cNvPr id="2" name="Title 1">
+            <a:extLst>
+              <a:ext uri="{FF2B5EF4-FFF2-40B4-BE49-F238E27FC236}">
+                <a16:creationId xmlns:a16="http://schemas.microsoft.com/office/drawing/2014/main" id="{1549C781-7F0A-5F6B-7AB3-5D20CD8552D2}"/>
+              </a:ext>
+            </a:extLst>
+          </p:cNvPr>
+          <p:cNvSpPr>
+            <a:spLocks noGrp="1"/>
+          </p:cNvSpPr>
+          <p:nvPr>
+            <p:ph type="title"/>
+          </p:nvPr>
+        </p:nvSpPr>
+        <p:spPr>
+          <a:xfrm>
+            <a:off x="838200" y="365126"/>
+            <a:ext cx="10515600" cy="315911"/>
+          </a:xfrm>
+        </p:spPr>
+        <p:txBody>
+          <a:bodyPr>
+            <a:normAutofit fontScale="90000"/>
+          </a:bodyPr>
+          <a:lstStyle/>
+          <a:p>
+            <a:endParaRPr lang="en-IN" dirty="0"/>
+          </a:p>
+        </p:txBody>
+      </p:sp>
+      <p:sp>
+        <p:nvSpPr>
+          <p:cNvPr id="3" name="Content Placeholder 2">
+            <a:extLst>
+              <a:ext uri="{FF2B5EF4-FFF2-40B4-BE49-F238E27FC236}">
+                <a16:creationId xmlns:a16="http://schemas.microsoft.com/office/drawing/2014/main" id="{C344F767-45A7-62A4-5905-4D5CA5C12595}"/>
+              </a:ext>
+            </a:extLst>
+          </p:cNvPr>
+          <p:cNvSpPr>
+            <a:spLocks noGrp="1"/>
+          </p:cNvSpPr>
+          <p:nvPr>
+            <p:ph idx="1"/>
+          </p:nvPr>
+        </p:nvSpPr>
+        <p:spPr>
+          <a:xfrm>
+            <a:off x="838200" y="934066"/>
+            <a:ext cx="10515600" cy="5558808"/>
+          </a:xfrm>
+        </p:spPr>
+        <p:txBody>
+          <a:bodyPr>
+            <a:normAutofit fontScale="92500" lnSpcReduction="20000"/>
+          </a:bodyPr>
+          <a:lstStyle/>
+          <a:p>
+            <a:r>
+              <a:rPr lang="en-IN" sz="1800" b="1" kern="100" dirty="0">
+                <a:effectLst/>
+                <a:latin typeface="Arial" panose="020B0604020202020204" pitchFamily="34" charset="0"/>
+                <a:ea typeface="Calibri" panose="020F0502020204030204" pitchFamily="34" charset="0"/>
+                <a:cs typeface="Times New Roman" panose="02020603050405020304" pitchFamily="18" charset="0"/>
+              </a:rPr>
+              <a:t>Is TypeScript better than JavaScript?</a:t>
+            </a:r>
+            <a:endParaRPr lang="en-IN" sz="1800" kern="100" dirty="0">
+              <a:effectLst/>
+              <a:latin typeface="Calibri" panose="020F0502020204030204" pitchFamily="34" charset="0"/>
+              <a:ea typeface="Calibri" panose="020F0502020204030204" pitchFamily="34" charset="0"/>
+              <a:cs typeface="Times New Roman" panose="02020603050405020304" pitchFamily="18" charset="0"/>
+            </a:endParaRPr>
+          </a:p>
+          <a:p>
+            <a:r>
+              <a:rPr lang="en-US" sz="1800" b="1" kern="100" dirty="0">
+                <a:effectLst/>
+                <a:latin typeface="Arial" panose="020B0604020202020204" pitchFamily="34" charset="0"/>
+                <a:ea typeface="Calibri" panose="020F0502020204030204" pitchFamily="34" charset="0"/>
+                <a:cs typeface="Times New Roman" panose="02020603050405020304" pitchFamily="18" charset="0"/>
+              </a:rPr>
+              <a:t> </a:t>
+            </a:r>
+            <a:endParaRPr lang="en-IN" sz="1800" kern="100" dirty="0">
+              <a:effectLst/>
+              <a:latin typeface="Calibri" panose="020F0502020204030204" pitchFamily="34" charset="0"/>
+              <a:ea typeface="Calibri" panose="020F0502020204030204" pitchFamily="34" charset="0"/>
+              <a:cs typeface="Times New Roman" panose="02020603050405020304" pitchFamily="18" charset="0"/>
+            </a:endParaRPr>
+          </a:p>
+          <a:p>
+            <a:r>
+              <a:rPr lang="en-IN" sz="1800" kern="100" dirty="0">
+                <a:effectLst/>
+                <a:latin typeface="Arial" panose="020B0604020202020204" pitchFamily="34" charset="0"/>
+                <a:ea typeface="Calibri" panose="020F0502020204030204" pitchFamily="34" charset="0"/>
+                <a:cs typeface="Times New Roman" panose="02020603050405020304" pitchFamily="18" charset="0"/>
+              </a:rPr>
+              <a:t>It depends on your needs! Here’s a quick comparison:</a:t>
+            </a:r>
+            <a:endParaRPr lang="en-IN" sz="1800" kern="100" dirty="0">
+              <a:effectLst/>
+              <a:latin typeface="Calibri" panose="020F0502020204030204" pitchFamily="34" charset="0"/>
+              <a:ea typeface="Calibri" panose="020F0502020204030204" pitchFamily="34" charset="0"/>
+              <a:cs typeface="Times New Roman" panose="02020603050405020304" pitchFamily="18" charset="0"/>
+            </a:endParaRPr>
+          </a:p>
+          <a:p>
+            <a:r>
+              <a:rPr lang="en-IN" sz="1800" kern="100" dirty="0">
+                <a:effectLst/>
+                <a:latin typeface="Segoe UI Emoji" panose="020B0502040204020203" pitchFamily="34" charset="0"/>
+                <a:ea typeface="Calibri" panose="020F0502020204030204" pitchFamily="34" charset="0"/>
+                <a:cs typeface="Segoe UI Emoji" panose="020B0502040204020203" pitchFamily="34" charset="0"/>
+              </a:rPr>
+              <a:t>✅</a:t>
+            </a:r>
+            <a:r>
+              <a:rPr lang="en-IN" sz="1800" kern="100" dirty="0">
+                <a:effectLst/>
+                <a:latin typeface="Arial" panose="020B0604020202020204" pitchFamily="34" charset="0"/>
+                <a:ea typeface="Calibri" panose="020F0502020204030204" pitchFamily="34" charset="0"/>
+                <a:cs typeface="Times New Roman" panose="02020603050405020304" pitchFamily="18" charset="0"/>
+              </a:rPr>
+              <a:t> </a:t>
+            </a:r>
+            <a:r>
+              <a:rPr lang="en-IN" sz="1800" b="1" kern="100" dirty="0">
+                <a:effectLst/>
+                <a:latin typeface="Arial" panose="020B0604020202020204" pitchFamily="34" charset="0"/>
+                <a:ea typeface="Calibri" panose="020F0502020204030204" pitchFamily="34" charset="0"/>
+                <a:cs typeface="Times New Roman" panose="02020603050405020304" pitchFamily="18" charset="0"/>
+              </a:rPr>
+              <a:t>Why TypeScript is better than JavaScript</a:t>
+            </a:r>
+            <a:endParaRPr lang="en-IN" sz="1800" kern="100" dirty="0">
+              <a:effectLst/>
+              <a:latin typeface="Calibri" panose="020F0502020204030204" pitchFamily="34" charset="0"/>
+              <a:ea typeface="Calibri" panose="020F0502020204030204" pitchFamily="34" charset="0"/>
+              <a:cs typeface="Times New Roman" panose="02020603050405020304" pitchFamily="18" charset="0"/>
+            </a:endParaRPr>
+          </a:p>
+          <a:p>
+            <a:pPr marL="342900" lvl="0" indent="-342900">
+              <a:tabLst>
+                <a:tab pos="457200" algn="l"/>
+              </a:tabLst>
+            </a:pPr>
+            <a:r>
+              <a:rPr lang="en-IN" sz="1800" kern="100" dirty="0">
+                <a:effectLst/>
+                <a:latin typeface="Arial" panose="020B0604020202020204" pitchFamily="34" charset="0"/>
+                <a:ea typeface="Calibri" panose="020F0502020204030204" pitchFamily="34" charset="0"/>
+                <a:cs typeface="Times New Roman" panose="02020603050405020304" pitchFamily="18" charset="0"/>
+              </a:rPr>
+              <a:t>Static Typing – Helps catch errors early and makes code more predictable.</a:t>
+            </a:r>
+            <a:endParaRPr lang="en-IN" sz="1800" kern="100" dirty="0">
+              <a:effectLst/>
+              <a:latin typeface="Calibri" panose="020F0502020204030204" pitchFamily="34" charset="0"/>
+              <a:ea typeface="Calibri" panose="020F0502020204030204" pitchFamily="34" charset="0"/>
+              <a:cs typeface="Times New Roman" panose="02020603050405020304" pitchFamily="18" charset="0"/>
+            </a:endParaRPr>
+          </a:p>
+          <a:p>
+            <a:pPr marL="342900" lvl="0" indent="-342900">
+              <a:tabLst>
+                <a:tab pos="457200" algn="l"/>
+              </a:tabLst>
+            </a:pPr>
+            <a:r>
+              <a:rPr lang="en-IN" sz="1800" kern="100" dirty="0">
+                <a:effectLst/>
+                <a:latin typeface="Arial" panose="020B0604020202020204" pitchFamily="34" charset="0"/>
+                <a:ea typeface="Calibri" panose="020F0502020204030204" pitchFamily="34" charset="0"/>
+                <a:cs typeface="Times New Roman" panose="02020603050405020304" pitchFamily="18" charset="0"/>
+              </a:rPr>
+              <a:t>Better IDE Support – Autocompletion, refactoring, and navigation are much smoother.</a:t>
+            </a:r>
+            <a:endParaRPr lang="en-IN" sz="1800" kern="100" dirty="0">
+              <a:effectLst/>
+              <a:latin typeface="Calibri" panose="020F0502020204030204" pitchFamily="34" charset="0"/>
+              <a:ea typeface="Calibri" panose="020F0502020204030204" pitchFamily="34" charset="0"/>
+              <a:cs typeface="Times New Roman" panose="02020603050405020304" pitchFamily="18" charset="0"/>
+            </a:endParaRPr>
+          </a:p>
+          <a:p>
+            <a:pPr marL="342900" lvl="0" indent="-342900">
+              <a:tabLst>
+                <a:tab pos="457200" algn="l"/>
+              </a:tabLst>
+            </a:pPr>
+            <a:r>
+              <a:rPr lang="en-IN" sz="1800" kern="100" dirty="0">
+                <a:effectLst/>
+                <a:latin typeface="Arial" panose="020B0604020202020204" pitchFamily="34" charset="0"/>
+                <a:ea typeface="Calibri" panose="020F0502020204030204" pitchFamily="34" charset="0"/>
+                <a:cs typeface="Times New Roman" panose="02020603050405020304" pitchFamily="18" charset="0"/>
+              </a:rPr>
+              <a:t>Improved Maintainability – Large projects benefit from strict type checking.</a:t>
+            </a:r>
+            <a:endParaRPr lang="en-IN" sz="1800" kern="100" dirty="0">
+              <a:effectLst/>
+              <a:latin typeface="Calibri" panose="020F0502020204030204" pitchFamily="34" charset="0"/>
+              <a:ea typeface="Calibri" panose="020F0502020204030204" pitchFamily="34" charset="0"/>
+              <a:cs typeface="Times New Roman" panose="02020603050405020304" pitchFamily="18" charset="0"/>
+            </a:endParaRPr>
+          </a:p>
+          <a:p>
+            <a:pPr marL="342900" lvl="0" indent="-342900">
+              <a:tabLst>
+                <a:tab pos="457200" algn="l"/>
+              </a:tabLst>
+            </a:pPr>
+            <a:r>
+              <a:rPr lang="en-IN" sz="1800" kern="100" dirty="0">
+                <a:effectLst/>
+                <a:latin typeface="Arial" panose="020B0604020202020204" pitchFamily="34" charset="0"/>
+                <a:ea typeface="Calibri" panose="020F0502020204030204" pitchFamily="34" charset="0"/>
+                <a:cs typeface="Times New Roman" panose="02020603050405020304" pitchFamily="18" charset="0"/>
+              </a:rPr>
+              <a:t>Modern Features – Supports the latest JavaScript features while ensuring backward compatibility.</a:t>
+            </a:r>
+            <a:endParaRPr lang="en-IN" sz="1800" kern="100" dirty="0">
+              <a:effectLst/>
+              <a:latin typeface="Calibri" panose="020F0502020204030204" pitchFamily="34" charset="0"/>
+              <a:ea typeface="Calibri" panose="020F0502020204030204" pitchFamily="34" charset="0"/>
+              <a:cs typeface="Times New Roman" panose="02020603050405020304" pitchFamily="18" charset="0"/>
+            </a:endParaRPr>
+          </a:p>
+          <a:p>
+            <a:pPr marL="342900" lvl="0" indent="-342900">
+              <a:tabLst>
+                <a:tab pos="457200" algn="l"/>
+              </a:tabLst>
+            </a:pPr>
+            <a:r>
+              <a:rPr lang="en-IN" sz="1800" kern="100" dirty="0">
+                <a:effectLst/>
+                <a:latin typeface="Arial" panose="020B0604020202020204" pitchFamily="34" charset="0"/>
+                <a:ea typeface="Calibri" panose="020F0502020204030204" pitchFamily="34" charset="0"/>
+                <a:cs typeface="Times New Roman" panose="02020603050405020304" pitchFamily="18" charset="0"/>
+              </a:rPr>
+              <a:t>Object-Oriented Programming (OOP) Support – More structured code with interfaces, generics, and Enums.</a:t>
+            </a:r>
+            <a:endParaRPr lang="en-IN" sz="1800" kern="100" dirty="0">
+              <a:effectLst/>
+              <a:latin typeface="Calibri" panose="020F0502020204030204" pitchFamily="34" charset="0"/>
+              <a:ea typeface="Calibri" panose="020F0502020204030204" pitchFamily="34" charset="0"/>
+              <a:cs typeface="Times New Roman" panose="02020603050405020304" pitchFamily="18" charset="0"/>
+            </a:endParaRPr>
+          </a:p>
+          <a:p>
+            <a:r>
+              <a:rPr lang="en-IN" sz="1800" kern="100" dirty="0">
+                <a:effectLst/>
+                <a:latin typeface="Segoe UI Emoji" panose="020B0502040204020203" pitchFamily="34" charset="0"/>
+                <a:ea typeface="Calibri" panose="020F0502020204030204" pitchFamily="34" charset="0"/>
+                <a:cs typeface="Segoe UI Emoji" panose="020B0502040204020203" pitchFamily="34" charset="0"/>
+              </a:rPr>
+              <a:t>❌</a:t>
+            </a:r>
+            <a:r>
+              <a:rPr lang="en-IN" sz="1800" kern="100" dirty="0">
+                <a:effectLst/>
+                <a:latin typeface="Arial" panose="020B0604020202020204" pitchFamily="34" charset="0"/>
+                <a:ea typeface="Calibri" panose="020F0502020204030204" pitchFamily="34" charset="0"/>
+                <a:cs typeface="Times New Roman" panose="02020603050405020304" pitchFamily="18" charset="0"/>
+              </a:rPr>
+              <a:t> </a:t>
+            </a:r>
+            <a:r>
+              <a:rPr lang="en-IN" sz="1800" b="1" kern="100" dirty="0">
+                <a:effectLst/>
+                <a:latin typeface="Arial" panose="020B0604020202020204" pitchFamily="34" charset="0"/>
+                <a:ea typeface="Calibri" panose="020F0502020204030204" pitchFamily="34" charset="0"/>
+                <a:cs typeface="Times New Roman" panose="02020603050405020304" pitchFamily="18" charset="0"/>
+              </a:rPr>
+              <a:t>When JavaScript Might Be Better</a:t>
+            </a:r>
+            <a:endParaRPr lang="en-IN" sz="1800" kern="100" dirty="0">
+              <a:effectLst/>
+              <a:latin typeface="Calibri" panose="020F0502020204030204" pitchFamily="34" charset="0"/>
+              <a:ea typeface="Calibri" panose="020F0502020204030204" pitchFamily="34" charset="0"/>
+              <a:cs typeface="Times New Roman" panose="02020603050405020304" pitchFamily="18" charset="0"/>
+            </a:endParaRPr>
+          </a:p>
+          <a:p>
+            <a:pPr marL="342900" lvl="0" indent="-342900">
+              <a:tabLst>
+                <a:tab pos="457200" algn="l"/>
+              </a:tabLst>
+            </a:pPr>
+            <a:r>
+              <a:rPr lang="en-IN" sz="1800" kern="100" dirty="0">
+                <a:effectLst/>
+                <a:latin typeface="Arial" panose="020B0604020202020204" pitchFamily="34" charset="0"/>
+                <a:ea typeface="Calibri" panose="020F0502020204030204" pitchFamily="34" charset="0"/>
+                <a:cs typeface="Times New Roman" panose="02020603050405020304" pitchFamily="18" charset="0"/>
+              </a:rPr>
+              <a:t>Simpler &amp; More Flexible – No need for compilation, so it's faster to set up.</a:t>
+            </a:r>
+            <a:endParaRPr lang="en-IN" sz="1800" kern="100" dirty="0">
+              <a:effectLst/>
+              <a:latin typeface="Calibri" panose="020F0502020204030204" pitchFamily="34" charset="0"/>
+              <a:ea typeface="Calibri" panose="020F0502020204030204" pitchFamily="34" charset="0"/>
+              <a:cs typeface="Times New Roman" panose="02020603050405020304" pitchFamily="18" charset="0"/>
+            </a:endParaRPr>
+          </a:p>
+          <a:p>
+            <a:pPr marL="342900" lvl="0" indent="-342900">
+              <a:tabLst>
+                <a:tab pos="457200" algn="l"/>
+              </a:tabLst>
+            </a:pPr>
+            <a:r>
+              <a:rPr lang="en-IN" sz="1800" kern="100" dirty="0">
+                <a:effectLst/>
+                <a:latin typeface="Arial" panose="020B0604020202020204" pitchFamily="34" charset="0"/>
+                <a:ea typeface="Calibri" panose="020F0502020204030204" pitchFamily="34" charset="0"/>
+                <a:cs typeface="Times New Roman" panose="02020603050405020304" pitchFamily="18" charset="0"/>
+              </a:rPr>
+              <a:t>Smaller Projects – If you're working on a quick script, TypeScript may be overkill.</a:t>
+            </a:r>
+            <a:endParaRPr lang="en-IN" sz="1800" kern="100" dirty="0">
+              <a:effectLst/>
+              <a:latin typeface="Calibri" panose="020F0502020204030204" pitchFamily="34" charset="0"/>
+              <a:ea typeface="Calibri" panose="020F0502020204030204" pitchFamily="34" charset="0"/>
+              <a:cs typeface="Times New Roman" panose="02020603050405020304" pitchFamily="18" charset="0"/>
+            </a:endParaRPr>
+          </a:p>
+          <a:p>
+            <a:pPr marL="342900" lvl="0" indent="-342900">
+              <a:tabLst>
+                <a:tab pos="457200" algn="l"/>
+              </a:tabLst>
+            </a:pPr>
+            <a:r>
+              <a:rPr lang="en-IN" sz="1800" kern="100" dirty="0">
+                <a:effectLst/>
+                <a:latin typeface="Arial" panose="020B0604020202020204" pitchFamily="34" charset="0"/>
+                <a:ea typeface="Calibri" panose="020F0502020204030204" pitchFamily="34" charset="0"/>
+                <a:cs typeface="Times New Roman" panose="02020603050405020304" pitchFamily="18" charset="0"/>
+              </a:rPr>
+              <a:t>More Libraries &amp; Frameworks – Some JavaScript libraries don't have great TypeScript support.</a:t>
+            </a:r>
+            <a:endParaRPr lang="en-IN" sz="1800" kern="100" dirty="0">
+              <a:effectLst/>
+              <a:latin typeface="Calibri" panose="020F0502020204030204" pitchFamily="34" charset="0"/>
+              <a:ea typeface="Calibri" panose="020F0502020204030204" pitchFamily="34" charset="0"/>
+              <a:cs typeface="Times New Roman" panose="02020603050405020304" pitchFamily="18" charset="0"/>
+            </a:endParaRPr>
+          </a:p>
+          <a:p>
+            <a:pPr marL="342900" lvl="0" indent="-342900">
+              <a:tabLst>
+                <a:tab pos="457200" algn="l"/>
+              </a:tabLst>
+            </a:pPr>
+            <a:r>
+              <a:rPr lang="en-IN" sz="1800" kern="100" dirty="0">
+                <a:effectLst/>
+                <a:latin typeface="Arial" panose="020B0604020202020204" pitchFamily="34" charset="0"/>
+                <a:ea typeface="Calibri" panose="020F0502020204030204" pitchFamily="34" charset="0"/>
+                <a:cs typeface="Times New Roman" panose="02020603050405020304" pitchFamily="18" charset="0"/>
+              </a:rPr>
+              <a:t>Learning Curve – TypeScript requires learning types, interfaces, and configurations.</a:t>
+            </a:r>
+            <a:endParaRPr lang="en-IN" sz="1800" kern="100" dirty="0">
+              <a:effectLst/>
+              <a:latin typeface="Calibri" panose="020F0502020204030204" pitchFamily="34" charset="0"/>
+              <a:ea typeface="Calibri" panose="020F0502020204030204" pitchFamily="34" charset="0"/>
+              <a:cs typeface="Times New Roman" panose="02020603050405020304" pitchFamily="18" charset="0"/>
+            </a:endParaRPr>
+          </a:p>
+          <a:p>
+            <a:r>
+              <a:rPr lang="en-IN" sz="1800" kern="100" dirty="0">
+                <a:effectLst/>
+                <a:latin typeface="Segoe UI Emoji" panose="020B0502040204020203" pitchFamily="34" charset="0"/>
+                <a:ea typeface="Calibri" panose="020F0502020204030204" pitchFamily="34" charset="0"/>
+                <a:cs typeface="Segoe UI Emoji" panose="020B0502040204020203" pitchFamily="34" charset="0"/>
+              </a:rPr>
+              <a:t>🎯</a:t>
+            </a:r>
+            <a:r>
+              <a:rPr lang="en-IN" sz="1800" kern="100" dirty="0">
+                <a:effectLst/>
+                <a:latin typeface="Arial" panose="020B0604020202020204" pitchFamily="34" charset="0"/>
+                <a:ea typeface="Calibri" panose="020F0502020204030204" pitchFamily="34" charset="0"/>
+                <a:cs typeface="Times New Roman" panose="02020603050405020304" pitchFamily="18" charset="0"/>
+              </a:rPr>
+              <a:t> </a:t>
+            </a:r>
+            <a:r>
+              <a:rPr lang="en-IN" sz="1800" b="1" kern="100" dirty="0">
+                <a:effectLst/>
+                <a:latin typeface="Arial" panose="020B0604020202020204" pitchFamily="34" charset="0"/>
+                <a:ea typeface="Calibri" panose="020F0502020204030204" pitchFamily="34" charset="0"/>
+                <a:cs typeface="Times New Roman" panose="02020603050405020304" pitchFamily="18" charset="0"/>
+              </a:rPr>
+              <a:t>Final Verdict</a:t>
+            </a:r>
+            <a:endParaRPr lang="en-IN" sz="1800" kern="100" dirty="0">
+              <a:effectLst/>
+              <a:latin typeface="Calibri" panose="020F0502020204030204" pitchFamily="34" charset="0"/>
+              <a:ea typeface="Calibri" panose="020F0502020204030204" pitchFamily="34" charset="0"/>
+              <a:cs typeface="Times New Roman" panose="02020603050405020304" pitchFamily="18" charset="0"/>
+            </a:endParaRPr>
+          </a:p>
+          <a:p>
+            <a:pPr marL="342900" lvl="0" indent="-342900">
+              <a:buSzPts val="1000"/>
+              <a:buFont typeface="Symbol" panose="05050102010706020507" pitchFamily="18" charset="2"/>
+              <a:buChar char=""/>
+              <a:tabLst>
+                <a:tab pos="457200" algn="l"/>
+              </a:tabLst>
+            </a:pPr>
+            <a:r>
+              <a:rPr lang="en-IN" sz="1800" kern="100" dirty="0">
+                <a:effectLst/>
+                <a:latin typeface="Arial" panose="020B0604020202020204" pitchFamily="34" charset="0"/>
+                <a:ea typeface="Calibri" panose="020F0502020204030204" pitchFamily="34" charset="0"/>
+                <a:cs typeface="Times New Roman" panose="02020603050405020304" pitchFamily="18" charset="0"/>
+              </a:rPr>
+              <a:t>Use TypeScript for large-scale applications, enterprise projects, or when you need maintainability.</a:t>
+            </a:r>
+            <a:endParaRPr lang="en-IN" sz="1800" kern="100" dirty="0">
+              <a:effectLst/>
+              <a:latin typeface="Calibri" panose="020F0502020204030204" pitchFamily="34" charset="0"/>
+              <a:ea typeface="Calibri" panose="020F0502020204030204" pitchFamily="34" charset="0"/>
+              <a:cs typeface="Times New Roman" panose="02020603050405020304" pitchFamily="18" charset="0"/>
+            </a:endParaRPr>
+          </a:p>
+          <a:p>
+            <a:pPr marL="342900" lvl="0" indent="-342900">
+              <a:buSzPts val="1000"/>
+              <a:buFont typeface="Symbol" panose="05050102010706020507" pitchFamily="18" charset="2"/>
+              <a:buChar char=""/>
+              <a:tabLst>
+                <a:tab pos="457200" algn="l"/>
+              </a:tabLst>
+            </a:pPr>
+            <a:r>
+              <a:rPr lang="en-IN" sz="1800" kern="100" dirty="0">
+                <a:effectLst/>
+                <a:latin typeface="Arial" panose="020B0604020202020204" pitchFamily="34" charset="0"/>
+                <a:ea typeface="Calibri" panose="020F0502020204030204" pitchFamily="34" charset="0"/>
+                <a:cs typeface="Times New Roman" panose="02020603050405020304" pitchFamily="18" charset="0"/>
+              </a:rPr>
+              <a:t>Use JavaScript for small projects, quick prototypes, or if you prefer a more flexible coding style.</a:t>
+            </a:r>
+            <a:endParaRPr lang="en-IN" sz="1800" kern="100" dirty="0">
+              <a:effectLst/>
+              <a:latin typeface="Calibri" panose="020F0502020204030204" pitchFamily="34" charset="0"/>
+              <a:ea typeface="Calibri" panose="020F0502020204030204" pitchFamily="34" charset="0"/>
+              <a:cs typeface="Times New Roman" panose="02020603050405020304" pitchFamily="18" charset="0"/>
+            </a:endParaRPr>
+          </a:p>
+          <a:p>
+            <a:endParaRPr lang="en-IN" dirty="0"/>
+          </a:p>
+        </p:txBody>
+      </p:sp>
+    </p:spTree>
+    <p:extLst>
+      <p:ext uri="{BB962C8B-B14F-4D97-AF65-F5344CB8AC3E}">
+        <p14:creationId xmlns:p14="http://schemas.microsoft.com/office/powerpoint/2010/main" val="3019893760"/>
+      </p:ext>
+    </p:extLst>
+  </p:cSld>
+  <p:clrMapOvr>
+    <a:masterClrMapping/>
+  </p:clrMapOvr>
+</p:sld>
+</file>
+
+<file path=ppt/slides/slide3.xml><?xml version="1.0" encoding="utf-8"?>
+<p:sld xmlns:a="http://schemas.openxmlformats.org/drawingml/2006/main" xmlns:r="http://schemas.openxmlformats.org/officeDocument/2006/relationships" xmlns:p="http://schemas.openxmlformats.org/presentationml/2006/main">
+  <p:cSld>
     <p:bg>
       <p:bgPr>
         <a:solidFill>
@@ -3354,7 +4564,7 @@
         <p:spPr>
           <a:xfrm>
             <a:off x="1033669" y="978010"/>
-            <a:ext cx="9008827" cy="2031325"/>
+            <a:ext cx="9008827" cy="1969578"/>
           </a:xfrm>
           <a:prstGeom prst="rect">
             <a:avLst/>
@@ -3367,155 +4577,235 @@
           </a:bodyPr>
           <a:lstStyle/>
           <a:p>
-            <a:pPr marL="0" marR="0"/>
-            <a:r>
-              <a:rPr lang="en-US" b="1" dirty="0">
+            <a:pPr>
+              <a:lnSpc>
+                <a:spcPct val="107000"/>
+              </a:lnSpc>
+              <a:spcAft>
+                <a:spcPts val="800"/>
+              </a:spcAft>
+            </a:pPr>
+            <a:r>
+              <a:rPr lang="en-US" sz="1800" kern="100" dirty="0" err="1">
+                <a:effectLst/>
+                <a:highlight>
+                  <a:srgbClr val="C0C0C0"/>
+                </a:highlight>
+                <a:latin typeface="Arial" panose="020B0604020202020204" pitchFamily="34" charset="0"/>
+                <a:ea typeface="Calibri" panose="020F0502020204030204" pitchFamily="34" charset="0"/>
+                <a:cs typeface="Times New Roman" panose="02020603050405020304" pitchFamily="18" charset="0"/>
+              </a:rPr>
+              <a:t>npm</a:t>
+            </a:r>
+            <a:r>
+              <a:rPr lang="en-US" sz="1800" kern="100" dirty="0">
+                <a:effectLst/>
+                <a:highlight>
+                  <a:srgbClr val="C0C0C0"/>
+                </a:highlight>
+                <a:latin typeface="Arial" panose="020B0604020202020204" pitchFamily="34" charset="0"/>
+                <a:ea typeface="Calibri" panose="020F0502020204030204" pitchFamily="34" charset="0"/>
+                <a:cs typeface="Times New Roman" panose="02020603050405020304" pitchFamily="18" charset="0"/>
+              </a:rPr>
+              <a:t> create </a:t>
+            </a:r>
+            <a:r>
+              <a:rPr lang="en-US" sz="1800" kern="100" dirty="0" err="1">
+                <a:effectLst/>
+                <a:highlight>
+                  <a:srgbClr val="C0C0C0"/>
+                </a:highlight>
+                <a:latin typeface="Arial" panose="020B0604020202020204" pitchFamily="34" charset="0"/>
+                <a:ea typeface="Calibri" panose="020F0502020204030204" pitchFamily="34" charset="0"/>
+                <a:cs typeface="Times New Roman" panose="02020603050405020304" pitchFamily="18" charset="0"/>
+              </a:rPr>
+              <a:t>vite@latest</a:t>
+            </a:r>
+            <a:r>
+              <a:rPr lang="en-US" sz="1800" kern="100" dirty="0">
+                <a:effectLst/>
+                <a:highlight>
+                  <a:srgbClr val="C0C0C0"/>
+                </a:highlight>
+                <a:latin typeface="Arial" panose="020B0604020202020204" pitchFamily="34" charset="0"/>
+                <a:ea typeface="Calibri" panose="020F0502020204030204" pitchFamily="34" charset="0"/>
+                <a:cs typeface="Times New Roman" panose="02020603050405020304" pitchFamily="18" charset="0"/>
+              </a:rPr>
+              <a:t> my-app -- --template react-</a:t>
+            </a:r>
+            <a:r>
+              <a:rPr lang="en-US" sz="1800" kern="100" dirty="0" err="1">
+                <a:effectLst/>
+                <a:highlight>
+                  <a:srgbClr val="C0C0C0"/>
+                </a:highlight>
+                <a:latin typeface="Arial" panose="020B0604020202020204" pitchFamily="34" charset="0"/>
+                <a:ea typeface="Calibri" panose="020F0502020204030204" pitchFamily="34" charset="0"/>
+                <a:cs typeface="Times New Roman" panose="02020603050405020304" pitchFamily="18" charset="0"/>
+              </a:rPr>
+              <a:t>ts</a:t>
+            </a:r>
+            <a:endParaRPr lang="en-IN" sz="1800" kern="100" dirty="0">
+              <a:effectLst/>
+              <a:highlight>
+                <a:srgbClr val="C0C0C0"/>
+              </a:highlight>
+              <a:latin typeface="Calibri" panose="020F0502020204030204" pitchFamily="34" charset="0"/>
+              <a:ea typeface="Calibri" panose="020F0502020204030204" pitchFamily="34" charset="0"/>
+              <a:cs typeface="Times New Roman" panose="02020603050405020304" pitchFamily="18" charset="0"/>
+            </a:endParaRPr>
+          </a:p>
+          <a:p>
+            <a:pPr>
+              <a:lnSpc>
+                <a:spcPct val="107000"/>
+              </a:lnSpc>
+              <a:spcAft>
+                <a:spcPts val="800"/>
+              </a:spcAft>
+            </a:pPr>
+            <a:r>
+              <a:rPr lang="en-US" sz="1800" kern="100" dirty="0">
+                <a:effectLst/>
+                <a:highlight>
+                  <a:srgbClr val="C0C0C0"/>
+                </a:highlight>
+                <a:latin typeface="Arial" panose="020B0604020202020204" pitchFamily="34" charset="0"/>
+                <a:ea typeface="Calibri" panose="020F0502020204030204" pitchFamily="34" charset="0"/>
+                <a:cs typeface="Times New Roman" panose="02020603050405020304" pitchFamily="18" charset="0"/>
+              </a:rPr>
+              <a:t>cd my-app</a:t>
+            </a:r>
+            <a:endParaRPr lang="en-IN" sz="1800" kern="100" dirty="0">
+              <a:effectLst/>
+              <a:highlight>
+                <a:srgbClr val="C0C0C0"/>
+              </a:highlight>
+              <a:latin typeface="Calibri" panose="020F0502020204030204" pitchFamily="34" charset="0"/>
+              <a:ea typeface="Calibri" panose="020F0502020204030204" pitchFamily="34" charset="0"/>
+              <a:cs typeface="Times New Roman" panose="02020603050405020304" pitchFamily="18" charset="0"/>
+            </a:endParaRPr>
+          </a:p>
+          <a:p>
+            <a:pPr>
+              <a:lnSpc>
+                <a:spcPct val="107000"/>
+              </a:lnSpc>
+              <a:spcAft>
+                <a:spcPts val="800"/>
+              </a:spcAft>
+            </a:pPr>
+            <a:r>
+              <a:rPr lang="en-US" sz="1800" kern="100" dirty="0" err="1">
+                <a:effectLst/>
+                <a:highlight>
+                  <a:srgbClr val="C0C0C0"/>
+                </a:highlight>
+                <a:latin typeface="Arial" panose="020B0604020202020204" pitchFamily="34" charset="0"/>
+                <a:ea typeface="Calibri" panose="020F0502020204030204" pitchFamily="34" charset="0"/>
+                <a:cs typeface="Times New Roman" panose="02020603050405020304" pitchFamily="18" charset="0"/>
+              </a:rPr>
+              <a:t>npm</a:t>
+            </a:r>
+            <a:r>
+              <a:rPr lang="en-US" sz="1800" kern="100" dirty="0">
+                <a:effectLst/>
+                <a:highlight>
+                  <a:srgbClr val="C0C0C0"/>
+                </a:highlight>
+                <a:latin typeface="Arial" panose="020B0604020202020204" pitchFamily="34" charset="0"/>
+                <a:ea typeface="Calibri" panose="020F0502020204030204" pitchFamily="34" charset="0"/>
+                <a:cs typeface="Times New Roman" panose="02020603050405020304" pitchFamily="18" charset="0"/>
+              </a:rPr>
+              <a:t> install</a:t>
+            </a:r>
+            <a:endParaRPr lang="en-IN" sz="1800" kern="100" dirty="0">
+              <a:effectLst/>
+              <a:highlight>
+                <a:srgbClr val="C0C0C0"/>
+              </a:highlight>
+              <a:latin typeface="Calibri" panose="020F0502020204030204" pitchFamily="34" charset="0"/>
+              <a:ea typeface="Calibri" panose="020F0502020204030204" pitchFamily="34" charset="0"/>
+              <a:cs typeface="Times New Roman" panose="02020603050405020304" pitchFamily="18" charset="0"/>
+            </a:endParaRPr>
+          </a:p>
+          <a:p>
+            <a:pPr>
+              <a:lnSpc>
+                <a:spcPct val="107000"/>
+              </a:lnSpc>
+              <a:spcAft>
+                <a:spcPts val="800"/>
+              </a:spcAft>
+            </a:pPr>
+            <a:r>
+              <a:rPr lang="en-US" sz="1800" kern="100" dirty="0" err="1">
+                <a:effectLst/>
+                <a:highlight>
+                  <a:srgbClr val="C0C0C0"/>
+                </a:highlight>
+                <a:latin typeface="Arial" panose="020B0604020202020204" pitchFamily="34" charset="0"/>
+                <a:ea typeface="Calibri" panose="020F0502020204030204" pitchFamily="34" charset="0"/>
+                <a:cs typeface="Times New Roman" panose="02020603050405020304" pitchFamily="18" charset="0"/>
+              </a:rPr>
+              <a:t>npm</a:t>
+            </a:r>
+            <a:r>
+              <a:rPr lang="en-US" sz="1800" kern="100" dirty="0">
+                <a:effectLst/>
+                <a:highlight>
+                  <a:srgbClr val="C0C0C0"/>
+                </a:highlight>
+                <a:latin typeface="Arial" panose="020B0604020202020204" pitchFamily="34" charset="0"/>
+                <a:ea typeface="Calibri" panose="020F0502020204030204" pitchFamily="34" charset="0"/>
+                <a:cs typeface="Times New Roman" panose="02020603050405020304" pitchFamily="18" charset="0"/>
+              </a:rPr>
+              <a:t> run dev</a:t>
+            </a:r>
+            <a:endParaRPr lang="en-IN" sz="1800" kern="100" dirty="0">
+              <a:effectLst/>
+              <a:highlight>
+                <a:srgbClr val="C0C0C0"/>
+              </a:highlight>
+              <a:latin typeface="Calibri" panose="020F0502020204030204" pitchFamily="34" charset="0"/>
+              <a:ea typeface="Calibri" panose="020F0502020204030204" pitchFamily="34" charset="0"/>
+              <a:cs typeface="Times New Roman" panose="02020603050405020304" pitchFamily="18" charset="0"/>
+            </a:endParaRPr>
+          </a:p>
+          <a:p>
+            <a:pPr>
+              <a:lnSpc>
+                <a:spcPct val="107000"/>
+              </a:lnSpc>
+              <a:spcAft>
+                <a:spcPts val="800"/>
+              </a:spcAft>
+            </a:pPr>
+            <a:r>
+              <a:rPr lang="en-IN" sz="1800" u="sng" kern="100" dirty="0">
                 <a:solidFill>
-                  <a:schemeClr val="bg1">
-                    <a:lumMod val="85000"/>
-                  </a:schemeClr>
-                </a:solidFill>
-                <a:latin typeface="Courier New" panose="02070309020205020404" pitchFamily="49" charset="0"/>
-                <a:cs typeface="Courier New" panose="02070309020205020404" pitchFamily="49" charset="0"/>
-              </a:rPr>
-              <a:t>$</a:t>
-            </a:r>
-            <a:r>
-              <a:rPr lang="en-US" sz="1800" b="1" dirty="0">
-                <a:solidFill>
-                  <a:schemeClr val="bg1">
-                    <a:lumMod val="85000"/>
-                  </a:schemeClr>
+                  <a:srgbClr val="0563C1"/>
                 </a:solidFill>
                 <a:effectLst/>
-                <a:latin typeface="Courier New" panose="02070309020205020404" pitchFamily="49" charset="0"/>
-                <a:cs typeface="Courier New" panose="02070309020205020404" pitchFamily="49" charset="0"/>
+                <a:highlight>
+                  <a:srgbClr val="C0C0C0"/>
+                </a:highlight>
+                <a:latin typeface="Arial" panose="020B0604020202020204" pitchFamily="34" charset="0"/>
+                <a:ea typeface="Calibri" panose="020F0502020204030204" pitchFamily="34" charset="0"/>
+                <a:cs typeface="Times New Roman" panose="02020603050405020304" pitchFamily="18" charset="0"/>
+                <a:hlinkClick r:id="rId2"/>
               </a:rPr>
-              <a:t>&gt;</a:t>
-            </a:r>
-            <a:r>
-              <a:rPr lang="en-US" sz="1800" dirty="0">
-                <a:solidFill>
-                  <a:schemeClr val="bg1">
-                    <a:lumMod val="85000"/>
-                  </a:schemeClr>
-                </a:solidFill>
-                <a:effectLst/>
-                <a:latin typeface="Courier New" panose="02070309020205020404" pitchFamily="49" charset="0"/>
-                <a:cs typeface="Courier New" panose="02070309020205020404" pitchFamily="49" charset="0"/>
-              </a:rPr>
-              <a:t> npx create-react-app typescript-project --template typescript</a:t>
-            </a:r>
-            <a:endParaRPr lang="en-US" dirty="0">
-              <a:solidFill>
-                <a:schemeClr val="bg1">
-                  <a:lumMod val="85000"/>
-                </a:schemeClr>
-              </a:solidFill>
-              <a:latin typeface="Courier New" panose="02070309020205020404" pitchFamily="49" charset="0"/>
-              <a:cs typeface="Courier New" panose="02070309020205020404" pitchFamily="49" charset="0"/>
+              <a:t>http://localhost:5173/</a:t>
+            </a:r>
+            <a:endParaRPr lang="en-IN" sz="1800" kern="100" dirty="0">
+              <a:effectLst/>
+              <a:highlight>
+                <a:srgbClr val="C0C0C0"/>
+              </a:highlight>
+              <a:latin typeface="Calibri" panose="020F0502020204030204" pitchFamily="34" charset="0"/>
+              <a:ea typeface="Calibri" panose="020F0502020204030204" pitchFamily="34" charset="0"/>
+              <a:cs typeface="Times New Roman" panose="02020603050405020304" pitchFamily="18" charset="0"/>
             </a:endParaRPr>
-          </a:p>
-          <a:p>
-            <a:pPr marL="0" marR="0"/>
-            <a:endParaRPr lang="en-US" sz="1800" dirty="0">
-              <a:solidFill>
-                <a:schemeClr val="bg1">
-                  <a:lumMod val="85000"/>
-                </a:schemeClr>
-              </a:solidFill>
-              <a:effectLst/>
-              <a:latin typeface="Courier New" panose="02070309020205020404" pitchFamily="49" charset="0"/>
-              <a:cs typeface="Courier New" panose="02070309020205020404" pitchFamily="49" charset="0"/>
-            </a:endParaRPr>
-          </a:p>
-          <a:p>
-            <a:pPr marL="0" marR="0"/>
-            <a:r>
-              <a:rPr lang="en-US" b="1" dirty="0">
-                <a:solidFill>
-                  <a:schemeClr val="bg1">
-                    <a:lumMod val="85000"/>
-                  </a:schemeClr>
-                </a:solidFill>
-                <a:latin typeface="Courier New" panose="02070309020205020404" pitchFamily="49" charset="0"/>
-                <a:cs typeface="Courier New" panose="02070309020205020404" pitchFamily="49" charset="0"/>
-              </a:rPr>
-              <a:t>$&gt; </a:t>
-            </a:r>
-            <a:r>
-              <a:rPr lang="en-US" sz="1800" dirty="0">
-                <a:solidFill>
-                  <a:schemeClr val="bg1">
-                    <a:lumMod val="85000"/>
-                  </a:schemeClr>
-                </a:solidFill>
-                <a:effectLst/>
-                <a:latin typeface="Courier New" panose="02070309020205020404" pitchFamily="49" charset="0"/>
-                <a:cs typeface="Courier New" panose="02070309020205020404" pitchFamily="49" charset="0"/>
-              </a:rPr>
-              <a:t>typescript-project</a:t>
-            </a:r>
-          </a:p>
-          <a:p>
-            <a:pPr marL="0" marR="0"/>
-            <a:endParaRPr lang="en-US" b="1" dirty="0">
-              <a:solidFill>
-                <a:schemeClr val="bg1">
-                  <a:lumMod val="85000"/>
-                </a:schemeClr>
-              </a:solidFill>
-              <a:latin typeface="Courier New" panose="02070309020205020404" pitchFamily="49" charset="0"/>
-              <a:cs typeface="Courier New" panose="02070309020205020404" pitchFamily="49" charset="0"/>
-            </a:endParaRPr>
-          </a:p>
-          <a:p>
-            <a:pPr marL="0" marR="0"/>
-            <a:r>
-              <a:rPr lang="en-US" sz="1800" b="1" dirty="0">
-                <a:solidFill>
-                  <a:schemeClr val="bg1">
-                    <a:lumMod val="85000"/>
-                  </a:schemeClr>
-                </a:solidFill>
-                <a:effectLst/>
-                <a:latin typeface="Courier New" panose="02070309020205020404" pitchFamily="49" charset="0"/>
-                <a:cs typeface="Courier New" panose="02070309020205020404" pitchFamily="49" charset="0"/>
-              </a:rPr>
-              <a:t>$&gt; </a:t>
-            </a:r>
-            <a:r>
-              <a:rPr lang="en-US" sz="1800" dirty="0">
-                <a:solidFill>
-                  <a:schemeClr val="bg1">
-                    <a:lumMod val="85000"/>
-                  </a:schemeClr>
-                </a:solidFill>
-                <a:effectLst/>
-                <a:latin typeface="Courier New" panose="02070309020205020404" pitchFamily="49" charset="0"/>
-                <a:cs typeface="Courier New" panose="02070309020205020404" pitchFamily="49" charset="0"/>
-              </a:rPr>
-              <a:t>yarn start / npm start</a:t>
-            </a:r>
-          </a:p>
-          <a:p>
-            <a:pPr marL="0" marR="0"/>
-            <a:r>
-              <a:rPr lang="en-US" sz="1800" dirty="0">
-                <a:solidFill>
-                  <a:schemeClr val="bg1">
-                    <a:lumMod val="85000"/>
-                  </a:schemeClr>
-                </a:solidFill>
-                <a:effectLst/>
-                <a:latin typeface="Courier New" panose="02070309020205020404" pitchFamily="49" charset="0"/>
-                <a:cs typeface="Courier New" panose="02070309020205020404" pitchFamily="49" charset="0"/>
-              </a:rPr>
-              <a:t> </a:t>
-            </a:r>
-          </a:p>
-          <a:p>
-            <a:endParaRPr lang="en-US" dirty="0"/>
           </a:p>
         </p:txBody>
       </p:sp>
@@ -3534,15 +4824,15 @@
           <p:nvPr/>
         </p:nvPicPr>
         <p:blipFill>
-          <a:blip r:embed="rId2"/>
+          <a:blip r:embed="rId3"/>
           <a:stretch>
             <a:fillRect/>
           </a:stretch>
         </p:blipFill>
         <p:spPr>
           <a:xfrm>
-            <a:off x="1250306" y="2644247"/>
-            <a:ext cx="7408664" cy="3722868"/>
+            <a:off x="1250306" y="3156155"/>
+            <a:ext cx="7408664" cy="3210959"/>
           </a:xfrm>
           <a:prstGeom prst="rect">
             <a:avLst/>
@@ -3630,7 +4920,7 @@
 </p:sld>
 </file>
 
-<file path=ppt/slides/slide2.xml><?xml version="1.0" encoding="utf-8"?>
+<file path=ppt/slides/slide4.xml><?xml version="1.0" encoding="utf-8"?>
 <p:sld xmlns:a="http://schemas.openxmlformats.org/drawingml/2006/main" xmlns:r="http://schemas.openxmlformats.org/officeDocument/2006/relationships" xmlns:p="http://schemas.openxmlformats.org/presentationml/2006/main">
   <p:cSld>
     <p:bg>
@@ -4100,7 +5390,7 @@
 </p:sld>
 </file>
 
-<file path=ppt/slides/slide3.xml><?xml version="1.0" encoding="utf-8"?>
+<file path=ppt/slides/slide5.xml><?xml version="1.0" encoding="utf-8"?>
 <p:sld xmlns:a="http://schemas.openxmlformats.org/drawingml/2006/main" xmlns:r="http://schemas.openxmlformats.org/officeDocument/2006/relationships" xmlns:p="http://schemas.openxmlformats.org/presentationml/2006/main">
   <p:cSld>
     <p:bg>
@@ -4377,7 +5667,7 @@
 </p:sld>
 </file>
 
-<file path=ppt/slides/slide4.xml><?xml version="1.0" encoding="utf-8"?>
+<file path=ppt/slides/slide6.xml><?xml version="1.0" encoding="utf-8"?>
 <p:sld xmlns:a="http://schemas.openxmlformats.org/drawingml/2006/main" xmlns:r="http://schemas.openxmlformats.org/officeDocument/2006/relationships" xmlns:p="http://schemas.openxmlformats.org/presentationml/2006/main">
   <p:cSld>
     <p:bg>
@@ -4698,7 +5988,7 @@
 </p:sld>
 </file>
 
-<file path=ppt/slides/slide5.xml><?xml version="1.0" encoding="utf-8"?>
+<file path=ppt/slides/slide7.xml><?xml version="1.0" encoding="utf-8"?>
 <p:sld xmlns:a="http://schemas.openxmlformats.org/drawingml/2006/main" xmlns:r="http://schemas.openxmlformats.org/officeDocument/2006/relationships" xmlns:p="http://schemas.openxmlformats.org/presentationml/2006/main">
   <p:cSld>
     <p:bg>
@@ -4887,7 +6177,7 @@
 </p:sld>
 </file>
 
-<file path=ppt/slides/slide6.xml><?xml version="1.0" encoding="utf-8"?>
+<file path=ppt/slides/slide8.xml><?xml version="1.0" encoding="utf-8"?>
 <p:sld xmlns:a="http://schemas.openxmlformats.org/drawingml/2006/main" xmlns:r="http://schemas.openxmlformats.org/officeDocument/2006/relationships" xmlns:p="http://schemas.openxmlformats.org/presentationml/2006/main">
   <p:cSld>
     <p:bg>
@@ -5128,7 +6418,7 @@
 </p:sld>
 </file>
 
-<file path=ppt/slides/slide7.xml><?xml version="1.0" encoding="utf-8"?>
+<file path=ppt/slides/slide9.xml><?xml version="1.0" encoding="utf-8"?>
 <p:sld xmlns:a="http://schemas.openxmlformats.org/drawingml/2006/main" xmlns:r="http://schemas.openxmlformats.org/officeDocument/2006/relationships" xmlns:p="http://schemas.openxmlformats.org/presentationml/2006/main">
   <p:cSld>
     <p:bg>
@@ -5308,434 +6598,6 @@
     <p:extLst>
       <p:ext uri="{BB962C8B-B14F-4D97-AF65-F5344CB8AC3E}">
         <p14:creationId xmlns:p14="http://schemas.microsoft.com/office/powerpoint/2010/main" val="1363695419"/>
-      </p:ext>
-    </p:extLst>
-  </p:cSld>
-  <p:clrMapOvr>
-    <a:masterClrMapping/>
-  </p:clrMapOvr>
-</p:sld>
-</file>
-
-<file path=ppt/slides/slide8.xml><?xml version="1.0" encoding="utf-8"?>
-<p:sld xmlns:a="http://schemas.openxmlformats.org/drawingml/2006/main" xmlns:r="http://schemas.openxmlformats.org/officeDocument/2006/relationships" xmlns:p="http://schemas.openxmlformats.org/presentationml/2006/main">
-  <p:cSld>
-    <p:bg>
-      <p:bgPr>
-        <a:solidFill>
-          <a:schemeClr val="tx1">
-            <a:lumMod val="85000"/>
-            <a:lumOff val="15000"/>
-          </a:schemeClr>
-        </a:solidFill>
-        <a:effectLst/>
-      </p:bgPr>
-    </p:bg>
-    <p:spTree>
-      <p:nvGrpSpPr>
-        <p:cNvPr id="1" name="">
-          <a:extLst>
-            <a:ext uri="{FF2B5EF4-FFF2-40B4-BE49-F238E27FC236}">
-              <a16:creationId xmlns:a16="http://schemas.microsoft.com/office/drawing/2014/main" id="{4ABDE75F-A746-298D-29C2-C18C0912E6EA}"/>
-            </a:ext>
-          </a:extLst>
-        </p:cNvPr>
-        <p:cNvGrpSpPr/>
-        <p:nvPr/>
-      </p:nvGrpSpPr>
-      <p:grpSpPr>
-        <a:xfrm>
-          <a:off x="0" y="0"/>
-          <a:ext cx="0" cy="0"/>
-          <a:chOff x="0" y="0"/>
-          <a:chExt cx="0" cy="0"/>
-        </a:xfrm>
-      </p:grpSpPr>
-      <p:sp>
-        <p:nvSpPr>
-          <p:cNvPr id="23" name="TextBox 22">
-            <a:extLst>
-              <a:ext uri="{FF2B5EF4-FFF2-40B4-BE49-F238E27FC236}">
-                <a16:creationId xmlns:a16="http://schemas.microsoft.com/office/drawing/2014/main" id="{C7D5F533-EEA5-5EAB-F703-B6212F113CD6}"/>
-              </a:ext>
-            </a:extLst>
-          </p:cNvPr>
-          <p:cNvSpPr txBox="1"/>
-          <p:nvPr/>
-        </p:nvSpPr>
-        <p:spPr>
-          <a:xfrm>
-            <a:off x="4780723" y="122085"/>
-            <a:ext cx="6094674" cy="455702"/>
-          </a:xfrm>
-          <a:prstGeom prst="rect">
-            <a:avLst/>
-          </a:prstGeom>
-          <a:noFill/>
-        </p:spPr>
-        <p:txBody>
-          <a:bodyPr wrap="square">
-            <a:spAutoFit/>
-          </a:bodyPr>
-          <a:lstStyle/>
-          <a:p>
-            <a:pPr>
-              <a:lnSpc>
-                <a:spcPct val="150000"/>
-              </a:lnSpc>
-            </a:pPr>
-            <a:r>
-              <a:rPr lang="en-US" sz="1800" b="1" u="sng" dirty="0">
-                <a:solidFill>
-                  <a:schemeClr val="bg1"/>
-                </a:solidFill>
-                <a:effectLst>
-                  <a:outerShdw blurRad="38100" dist="38100" dir="2700000" algn="tl">
-                    <a:srgbClr val="000000">
-                      <a:alpha val="43137"/>
-                    </a:srgbClr>
-                  </a:outerShdw>
-                </a:effectLst>
-                <a:latin typeface="Oxygen" panose="02000503000000000000" pitchFamily="2" charset="0"/>
-              </a:rPr>
-              <a:t>React Components as Children Props:</a:t>
-            </a:r>
-          </a:p>
-        </p:txBody>
-      </p:sp>
-      <p:pic>
-        <p:nvPicPr>
-          <p:cNvPr id="3" name="Picture 2">
-            <a:extLst>
-              <a:ext uri="{FF2B5EF4-FFF2-40B4-BE49-F238E27FC236}">
-                <a16:creationId xmlns:a16="http://schemas.microsoft.com/office/drawing/2014/main" id="{08607001-EFD4-C5A9-0C18-E7D85F4706D8}"/>
-              </a:ext>
-            </a:extLst>
-          </p:cNvPr>
-          <p:cNvPicPr>
-            <a:picLocks noChangeAspect="1"/>
-          </p:cNvPicPr>
-          <p:nvPr/>
-        </p:nvPicPr>
-        <p:blipFill>
-          <a:blip r:embed="rId2"/>
-          <a:stretch>
-            <a:fillRect/>
-          </a:stretch>
-        </p:blipFill>
-        <p:spPr>
-          <a:xfrm>
-            <a:off x="288497" y="349936"/>
-            <a:ext cx="4199136" cy="3263605"/>
-          </a:xfrm>
-          <a:prstGeom prst="rect">
-            <a:avLst/>
-          </a:prstGeom>
-        </p:spPr>
-      </p:pic>
-      <p:pic>
-        <p:nvPicPr>
-          <p:cNvPr id="6" name="Picture 5">
-            <a:extLst>
-              <a:ext uri="{FF2B5EF4-FFF2-40B4-BE49-F238E27FC236}">
-                <a16:creationId xmlns:a16="http://schemas.microsoft.com/office/drawing/2014/main" id="{23400D7A-4990-2019-F248-E75D13E7B1CE}"/>
-              </a:ext>
-            </a:extLst>
-          </p:cNvPr>
-          <p:cNvPicPr>
-            <a:picLocks noChangeAspect="1"/>
-          </p:cNvPicPr>
-          <p:nvPr/>
-        </p:nvPicPr>
-        <p:blipFill>
-          <a:blip r:embed="rId3"/>
-          <a:stretch>
-            <a:fillRect/>
-          </a:stretch>
-        </p:blipFill>
-        <p:spPr>
-          <a:xfrm>
-            <a:off x="288497" y="3784895"/>
-            <a:ext cx="5121763" cy="2543138"/>
-          </a:xfrm>
-          <a:prstGeom prst="rect">
-            <a:avLst/>
-          </a:prstGeom>
-        </p:spPr>
-      </p:pic>
-      <p:pic>
-        <p:nvPicPr>
-          <p:cNvPr id="9" name="Picture 8">
-            <a:extLst>
-              <a:ext uri="{FF2B5EF4-FFF2-40B4-BE49-F238E27FC236}">
-                <a16:creationId xmlns:a16="http://schemas.microsoft.com/office/drawing/2014/main" id="{F17B0948-0C21-F80B-77D8-34E931B77650}"/>
-              </a:ext>
-            </a:extLst>
-          </p:cNvPr>
-          <p:cNvPicPr>
-            <a:picLocks noChangeAspect="1"/>
-          </p:cNvPicPr>
-          <p:nvPr/>
-        </p:nvPicPr>
-        <p:blipFill>
-          <a:blip r:embed="rId4"/>
-          <a:stretch>
-            <a:fillRect/>
-          </a:stretch>
-        </p:blipFill>
-        <p:spPr>
-          <a:xfrm>
-            <a:off x="5322796" y="577787"/>
-            <a:ext cx="5438769" cy="2927566"/>
-          </a:xfrm>
-          <a:prstGeom prst="rect">
-            <a:avLst/>
-          </a:prstGeom>
-        </p:spPr>
-      </p:pic>
-      <p:pic>
-        <p:nvPicPr>
-          <p:cNvPr id="12" name="Picture 11">
-            <a:extLst>
-              <a:ext uri="{FF2B5EF4-FFF2-40B4-BE49-F238E27FC236}">
-                <a16:creationId xmlns:a16="http://schemas.microsoft.com/office/drawing/2014/main" id="{05929B6E-F44E-2835-16B6-AEF6A7FE360F}"/>
-              </a:ext>
-            </a:extLst>
-          </p:cNvPr>
-          <p:cNvPicPr>
-            <a:picLocks noChangeAspect="1"/>
-          </p:cNvPicPr>
-          <p:nvPr/>
-        </p:nvPicPr>
-        <p:blipFill>
-          <a:blip r:embed="rId5"/>
-          <a:stretch>
-            <a:fillRect/>
-          </a:stretch>
-        </p:blipFill>
-        <p:spPr>
-          <a:xfrm>
-            <a:off x="6230325" y="3901419"/>
-            <a:ext cx="4645072" cy="2517706"/>
-          </a:xfrm>
-          <a:prstGeom prst="rect">
-            <a:avLst/>
-          </a:prstGeom>
-        </p:spPr>
-      </p:pic>
-      <p:sp>
-        <p:nvSpPr>
-          <p:cNvPr id="13" name="Oval 12">
-            <a:extLst>
-              <a:ext uri="{FF2B5EF4-FFF2-40B4-BE49-F238E27FC236}">
-                <a16:creationId xmlns:a16="http://schemas.microsoft.com/office/drawing/2014/main" id="{CA8CE7CB-AEA2-4841-66B0-0FE49AACB9B8}"/>
-              </a:ext>
-            </a:extLst>
-          </p:cNvPr>
-          <p:cNvSpPr/>
-          <p:nvPr/>
-        </p:nvSpPr>
-        <p:spPr>
-          <a:xfrm>
-            <a:off x="6908872" y="1406099"/>
-            <a:ext cx="1718293" cy="366068"/>
-          </a:xfrm>
-          <a:prstGeom prst="ellipse">
-            <a:avLst/>
-          </a:prstGeom>
-          <a:noFill/>
-          <a:ln w="63500">
-            <a:solidFill>
-              <a:srgbClr val="C00000"/>
-            </a:solidFill>
-          </a:ln>
-        </p:spPr>
-        <p:style>
-          <a:lnRef idx="2">
-            <a:schemeClr val="accent1">
-              <a:shade val="15000"/>
-            </a:schemeClr>
-          </a:lnRef>
-          <a:fillRef idx="1">
-            <a:schemeClr val="accent1"/>
-          </a:fillRef>
-          <a:effectRef idx="0">
-            <a:schemeClr val="accent1"/>
-          </a:effectRef>
-          <a:fontRef idx="minor">
-            <a:schemeClr val="lt1"/>
-          </a:fontRef>
-        </p:style>
-        <p:txBody>
-          <a:bodyPr rtlCol="0" anchor="ctr"/>
-          <a:lstStyle/>
-          <a:p>
-            <a:pPr algn="ctr"/>
-            <a:endParaRPr lang="en-US"/>
-          </a:p>
-        </p:txBody>
-      </p:sp>
-    </p:spTree>
-    <p:extLst>
-      <p:ext uri="{BB962C8B-B14F-4D97-AF65-F5344CB8AC3E}">
-        <p14:creationId xmlns:p14="http://schemas.microsoft.com/office/powerpoint/2010/main" val="4182326251"/>
-      </p:ext>
-    </p:extLst>
-  </p:cSld>
-  <p:clrMapOvr>
-    <a:masterClrMapping/>
-  </p:clrMapOvr>
-</p:sld>
-</file>
-
-<file path=ppt/slides/slide9.xml><?xml version="1.0" encoding="utf-8"?>
-<p:sld xmlns:a="http://schemas.openxmlformats.org/drawingml/2006/main" xmlns:r="http://schemas.openxmlformats.org/officeDocument/2006/relationships" xmlns:p="http://schemas.openxmlformats.org/presentationml/2006/main">
-  <p:cSld>
-    <p:bg>
-      <p:bgPr>
-        <a:solidFill>
-          <a:schemeClr val="bg2">
-            <a:lumMod val="25000"/>
-          </a:schemeClr>
-        </a:solidFill>
-        <a:effectLst/>
-      </p:bgPr>
-    </p:bg>
-    <p:spTree>
-      <p:nvGrpSpPr>
-        <p:cNvPr id="1" name="">
-          <a:extLst>
-            <a:ext uri="{FF2B5EF4-FFF2-40B4-BE49-F238E27FC236}">
-              <a16:creationId xmlns:a16="http://schemas.microsoft.com/office/drawing/2014/main" id="{C0D571A5-51CF-0C13-C427-C4C7172405F1}"/>
-            </a:ext>
-          </a:extLst>
-        </p:cNvPr>
-        <p:cNvGrpSpPr/>
-        <p:nvPr/>
-      </p:nvGrpSpPr>
-      <p:grpSpPr>
-        <a:xfrm>
-          <a:off x="0" y="0"/>
-          <a:ext cx="0" cy="0"/>
-          <a:chOff x="0" y="0"/>
-          <a:chExt cx="0" cy="0"/>
-        </a:xfrm>
-      </p:grpSpPr>
-      <p:sp>
-        <p:nvSpPr>
-          <p:cNvPr id="23" name="TextBox 22">
-            <a:extLst>
-              <a:ext uri="{FF2B5EF4-FFF2-40B4-BE49-F238E27FC236}">
-                <a16:creationId xmlns:a16="http://schemas.microsoft.com/office/drawing/2014/main" id="{70DA0CF6-EE5C-1E47-A8BB-FEA669FA9901}"/>
-              </a:ext>
-            </a:extLst>
-          </p:cNvPr>
-          <p:cNvSpPr txBox="1"/>
-          <p:nvPr/>
-        </p:nvSpPr>
-        <p:spPr>
-          <a:xfrm>
-            <a:off x="5907920" y="122085"/>
-            <a:ext cx="6094674" cy="455702"/>
-          </a:xfrm>
-          <a:prstGeom prst="rect">
-            <a:avLst/>
-          </a:prstGeom>
-          <a:noFill/>
-        </p:spPr>
-        <p:txBody>
-          <a:bodyPr wrap="square">
-            <a:spAutoFit/>
-          </a:bodyPr>
-          <a:lstStyle/>
-          <a:p>
-            <a:pPr>
-              <a:lnSpc>
-                <a:spcPct val="150000"/>
-              </a:lnSpc>
-            </a:pPr>
-            <a:r>
-              <a:rPr lang="en-US" sz="1800" b="1" u="sng" dirty="0">
-                <a:solidFill>
-                  <a:schemeClr val="bg1"/>
-                </a:solidFill>
-                <a:effectLst>
-                  <a:outerShdw blurRad="38100" dist="38100" dir="2700000" algn="tl">
-                    <a:srgbClr val="000000">
-                      <a:alpha val="43137"/>
-                    </a:srgbClr>
-                  </a:outerShdw>
-                </a:effectLst>
-                <a:latin typeface="Oxygen" panose="02000503000000000000" pitchFamily="2" charset="0"/>
-              </a:rPr>
-              <a:t>Optional Props:</a:t>
-            </a:r>
-          </a:p>
-        </p:txBody>
-      </p:sp>
-      <p:pic>
-        <p:nvPicPr>
-          <p:cNvPr id="7" name="Picture 6">
-            <a:extLst>
-              <a:ext uri="{FF2B5EF4-FFF2-40B4-BE49-F238E27FC236}">
-                <a16:creationId xmlns:a16="http://schemas.microsoft.com/office/drawing/2014/main" id="{7632A222-AA1B-CB3A-C683-56F7F1FDD067}"/>
-              </a:ext>
-            </a:extLst>
-          </p:cNvPr>
-          <p:cNvPicPr>
-            <a:picLocks noChangeAspect="1"/>
-          </p:cNvPicPr>
-          <p:nvPr/>
-        </p:nvPicPr>
-        <p:blipFill>
-          <a:blip r:embed="rId2"/>
-          <a:srcRect l="4980" r="9219"/>
-          <a:stretch/>
-        </p:blipFill>
-        <p:spPr>
-          <a:xfrm>
-            <a:off x="5047128" y="2194277"/>
-            <a:ext cx="7144872" cy="4663723"/>
-          </a:xfrm>
-          <a:prstGeom prst="rect">
-            <a:avLst/>
-          </a:prstGeom>
-        </p:spPr>
-      </p:pic>
-      <p:pic>
-        <p:nvPicPr>
-          <p:cNvPr id="10" name="Picture 9">
-            <a:extLst>
-              <a:ext uri="{FF2B5EF4-FFF2-40B4-BE49-F238E27FC236}">
-                <a16:creationId xmlns:a16="http://schemas.microsoft.com/office/drawing/2014/main" id="{24338FC4-4593-BFBC-0E2A-A2B610393890}"/>
-              </a:ext>
-            </a:extLst>
-          </p:cNvPr>
-          <p:cNvPicPr>
-            <a:picLocks noChangeAspect="1"/>
-          </p:cNvPicPr>
-          <p:nvPr/>
-        </p:nvPicPr>
-        <p:blipFill>
-          <a:blip r:embed="rId3"/>
-          <a:stretch>
-            <a:fillRect/>
-          </a:stretch>
-        </p:blipFill>
-        <p:spPr>
-          <a:xfrm>
-            <a:off x="19994" y="0"/>
-            <a:ext cx="5027134" cy="2945309"/>
-          </a:xfrm>
-          <a:prstGeom prst="rect">
-            <a:avLst/>
-          </a:prstGeom>
-        </p:spPr>
-      </p:pic>
-    </p:spTree>
-    <p:extLst>
-      <p:ext uri="{BB962C8B-B14F-4D97-AF65-F5344CB8AC3E}">
-        <p14:creationId xmlns:p14="http://schemas.microsoft.com/office/powerpoint/2010/main" val="2942065412"/>
       </p:ext>
     </p:extLst>
   </p:cSld>

--- a/Learn-Typescript/TypeScript-Notes.pptx
+++ b/Learn-Typescript/TypeScript-Notes.pptx
@@ -4118,6 +4118,9 @@
             </a:endParaRPr>
           </a:p>
           <a:p>
+            <a:pPr marL="0" indent="0">
+              <a:buNone/>
+            </a:pPr>
             <a:r>
               <a:rPr lang="en-US" sz="1800" b="1" kern="100" dirty="0">
                 <a:effectLst/>
@@ -4135,6 +4138,26 @@
             </a:endParaRPr>
           </a:p>
           <a:p>
+            <a:pPr marL="0" indent="0">
+              <a:buNone/>
+            </a:pPr>
+            <a:r>
+              <a:rPr lang="en-IN" sz="1800" kern="100">
+                <a:latin typeface="Arial" panose="020B0604020202020204" pitchFamily="34" charset="0"/>
+                <a:ea typeface="Calibri" panose="020F0502020204030204" pitchFamily="34" charset="0"/>
+                <a:cs typeface="Times New Roman" panose="02020603050405020304" pitchFamily="18" charset="0"/>
+              </a:rPr>
+              <a:t>    </a:t>
+            </a:r>
+            <a:r>
+              <a:rPr lang="en-IN" sz="1800" kern="100">
+                <a:effectLst/>
+                <a:latin typeface="Arial" panose="020B0604020202020204" pitchFamily="34" charset="0"/>
+                <a:ea typeface="Calibri" panose="020F0502020204030204" pitchFamily="34" charset="0"/>
+                <a:cs typeface="Times New Roman" panose="02020603050405020304" pitchFamily="18" charset="0"/>
+              </a:rPr>
+              <a:t>It </a:t>
+            </a:r>
             <a:r>
               <a:rPr lang="en-IN" sz="1800" kern="100" dirty="0">
                 <a:effectLst/>
@@ -4142,7 +4165,7 @@
                 <a:ea typeface="Calibri" panose="020F0502020204030204" pitchFamily="34" charset="0"/>
                 <a:cs typeface="Times New Roman" panose="02020603050405020304" pitchFamily="18" charset="0"/>
               </a:rPr>
-              <a:t>It depends on your needs! Here’s a quick comparison:</a:t>
+              <a:t>depends on your needs! Here’s a quick comparison:</a:t>
             </a:r>
             <a:endParaRPr lang="en-IN" sz="1800" kern="100" dirty="0">
               <a:effectLst/>
